--- a/[presentation/[8]Canvas&SVG.pptx
+++ b/[presentation/[8]Canvas&SVG.pptx
@@ -5,7 +5,7 @@
     <p:sldMasterId id="2147483648" r:id="rId1"/>
   </p:sldMasterIdLst>
   <p:notesMasterIdLst>
-    <p:notesMasterId r:id="rId33"/>
+    <p:notesMasterId r:id="rId34"/>
   </p:notesMasterIdLst>
   <p:sldIdLst>
     <p:sldId id="257" r:id="rId2"/>
@@ -15,30 +15,31 @@
     <p:sldId id="261" r:id="rId6"/>
     <p:sldId id="262" r:id="rId7"/>
     <p:sldId id="263" r:id="rId8"/>
-    <p:sldId id="264" r:id="rId9"/>
-    <p:sldId id="268" r:id="rId10"/>
-    <p:sldId id="271" r:id="rId11"/>
-    <p:sldId id="269" r:id="rId12"/>
-    <p:sldId id="270" r:id="rId13"/>
-    <p:sldId id="272" r:id="rId14"/>
-    <p:sldId id="274" r:id="rId15"/>
-    <p:sldId id="275" r:id="rId16"/>
-    <p:sldId id="266" r:id="rId17"/>
-    <p:sldId id="276" r:id="rId18"/>
-    <p:sldId id="273" r:id="rId19"/>
-    <p:sldId id="260" r:id="rId20"/>
-    <p:sldId id="278" r:id="rId21"/>
-    <p:sldId id="279" r:id="rId22"/>
-    <p:sldId id="280" r:id="rId23"/>
-    <p:sldId id="281" r:id="rId24"/>
-    <p:sldId id="282" r:id="rId25"/>
-    <p:sldId id="283" r:id="rId26"/>
-    <p:sldId id="284" r:id="rId27"/>
-    <p:sldId id="285" r:id="rId28"/>
-    <p:sldId id="286" r:id="rId29"/>
-    <p:sldId id="287" r:id="rId30"/>
-    <p:sldId id="288" r:id="rId31"/>
-    <p:sldId id="289" r:id="rId32"/>
+    <p:sldId id="290" r:id="rId9"/>
+    <p:sldId id="264" r:id="rId10"/>
+    <p:sldId id="268" r:id="rId11"/>
+    <p:sldId id="271" r:id="rId12"/>
+    <p:sldId id="269" r:id="rId13"/>
+    <p:sldId id="270" r:id="rId14"/>
+    <p:sldId id="272" r:id="rId15"/>
+    <p:sldId id="274" r:id="rId16"/>
+    <p:sldId id="275" r:id="rId17"/>
+    <p:sldId id="266" r:id="rId18"/>
+    <p:sldId id="276" r:id="rId19"/>
+    <p:sldId id="273" r:id="rId20"/>
+    <p:sldId id="260" r:id="rId21"/>
+    <p:sldId id="278" r:id="rId22"/>
+    <p:sldId id="279" r:id="rId23"/>
+    <p:sldId id="280" r:id="rId24"/>
+    <p:sldId id="281" r:id="rId25"/>
+    <p:sldId id="282" r:id="rId26"/>
+    <p:sldId id="283" r:id="rId27"/>
+    <p:sldId id="284" r:id="rId28"/>
+    <p:sldId id="285" r:id="rId29"/>
+    <p:sldId id="286" r:id="rId30"/>
+    <p:sldId id="287" r:id="rId31"/>
+    <p:sldId id="288" r:id="rId32"/>
+    <p:sldId id="289" r:id="rId33"/>
   </p:sldIdLst>
   <p:sldSz cx="9144000" cy="6858000" type="screen4x3"/>
   <p:notesSz cx="6858000" cy="9144000"/>
@@ -222,7 +223,7 @@
           <a:p>
             <a:fld id="{DB4D9B02-6ED5-41E6-9A36-5661B1DCAC40}" type="datetimeFigureOut">
               <a:rPr lang="zh-CN" altLang="en-US" smtClean="0"/>
-              <a:t>2014/12/6</a:t>
+              <a:t>2014/12/11</a:t>
             </a:fld>
             <a:endParaRPr lang="zh-CN" altLang="en-US"/>
           </a:p>
@@ -1033,7 +1034,7 @@
       </p:grpSpPr>
       <p:sp>
         <p:nvSpPr>
-          <p:cNvPr id="2" name="Slide Image Placeholder 1"/>
+          <p:cNvPr id="2" name="幻灯片图像占位符 1"/>
           <p:cNvSpPr>
             <a:spLocks noGrp="1" noRot="1" noChangeAspect="1"/>
           </p:cNvSpPr>
@@ -1045,7 +1046,7 @@
       </p:sp>
       <p:sp>
         <p:nvSpPr>
-          <p:cNvPr id="3" name="Notes Placeholder 2"/>
+          <p:cNvPr id="3" name="备注占位符 2"/>
           <p:cNvSpPr>
             <a:spLocks noGrp="1"/>
           </p:cNvSpPr>
@@ -1058,13 +1059,13 @@
           <a:bodyPr/>
           <a:lstStyle/>
           <a:p>
-            <a:endParaRPr lang="en-US" dirty="0"/>
-          </a:p>
-        </p:txBody>
-      </p:sp>
-      <p:sp>
-        <p:nvSpPr>
-          <p:cNvPr id="4" name="Slide Number Placeholder 3"/>
+            <a:endParaRPr lang="zh-CN" altLang="en-US" dirty="0"/>
+          </a:p>
+        </p:txBody>
+      </p:sp>
+      <p:sp>
+        <p:nvSpPr>
+          <p:cNvPr id="4" name="灯片编号占位符 3"/>
           <p:cNvSpPr>
             <a:spLocks noGrp="1"/>
           </p:cNvSpPr>
@@ -1079,7 +1080,7 @@
           <a:p>
             <a:fld id="{396C5D51-C23E-45A3-9EF1-53708422953B}" type="slidenum">
               <a:rPr lang="zh-CN" altLang="en-US" smtClean="0"/>
-              <a:t>22</a:t>
+              <a:t>19</a:t>
             </a:fld>
             <a:endParaRPr lang="zh-CN" altLang="en-US"/>
           </a:p>
@@ -1088,7 +1089,7 @@
     </p:spTree>
     <p:extLst>
       <p:ext uri="{BB962C8B-B14F-4D97-AF65-F5344CB8AC3E}">
-        <p14:creationId xmlns:p14="http://schemas.microsoft.com/office/powerpoint/2010/main" val="1999599947"/>
+        <p14:creationId xmlns:p14="http://schemas.microsoft.com/office/powerpoint/2010/main" val="73529049"/>
       </p:ext>
     </p:extLst>
   </p:cSld>
@@ -1142,14 +1143,6 @@
           <a:bodyPr/>
           <a:lstStyle/>
           <a:p>
-            <a:r>
-              <a:rPr lang="en-US" dirty="0" err="1" smtClean="0"/>
-              <a:t>gridWidth</a:t>
-            </a:r>
-            <a:r>
-              <a:rPr lang="en-US" dirty="0" smtClean="0"/>
-              <a:t>=20</a:t>
-            </a:r>
             <a:endParaRPr lang="en-US" dirty="0"/>
           </a:p>
         </p:txBody>
@@ -1234,6 +1227,14 @@
           <a:bodyPr/>
           <a:lstStyle/>
           <a:p>
+            <a:r>
+              <a:rPr lang="en-US" dirty="0" err="1" smtClean="0"/>
+              <a:t>gridWidth</a:t>
+            </a:r>
+            <a:r>
+              <a:rPr lang="en-US" dirty="0" smtClean="0"/>
+              <a:t>=20</a:t>
+            </a:r>
             <a:endParaRPr lang="en-US" dirty="0"/>
           </a:p>
         </p:txBody>
@@ -1914,14 +1915,6 @@
           <a:bodyPr/>
           <a:lstStyle/>
           <a:p>
-            <a:r>
-              <a:rPr lang="en-US" dirty="0" smtClean="0"/>
-              <a:t>About Event, can take </a:t>
-            </a:r>
-            <a:r>
-              <a:rPr lang="en-US" smtClean="0"/>
-              <a:t>a example</a:t>
-            </a:r>
             <a:endParaRPr lang="en-US" dirty="0"/>
           </a:p>
         </p:txBody>
@@ -1944,6 +1937,98 @@
             <a:fld id="{396C5D51-C23E-45A3-9EF1-53708422953B}" type="slidenum">
               <a:rPr lang="zh-CN" altLang="en-US" smtClean="0"/>
               <a:t>31</a:t>
+            </a:fld>
+            <a:endParaRPr lang="zh-CN" altLang="en-US"/>
+          </a:p>
+        </p:txBody>
+      </p:sp>
+    </p:spTree>
+    <p:extLst>
+      <p:ext uri="{BB962C8B-B14F-4D97-AF65-F5344CB8AC3E}">
+        <p14:creationId xmlns:p14="http://schemas.microsoft.com/office/powerpoint/2010/main" val="1999599947"/>
+      </p:ext>
+    </p:extLst>
+  </p:cSld>
+  <p:clrMapOvr>
+    <a:masterClrMapping/>
+  </p:clrMapOvr>
+</p:notes>
+</file>
+
+<file path=ppt/notesSlides/notesSlide25.xml><?xml version="1.0" encoding="utf-8"?>
+<p:notes xmlns:a="http://schemas.openxmlformats.org/drawingml/2006/main" xmlns:r="http://schemas.openxmlformats.org/officeDocument/2006/relationships" xmlns:p="http://schemas.openxmlformats.org/presentationml/2006/main">
+  <p:cSld>
+    <p:spTree>
+      <p:nvGrpSpPr>
+        <p:cNvPr id="1" name=""/>
+        <p:cNvGrpSpPr/>
+        <p:nvPr/>
+      </p:nvGrpSpPr>
+      <p:grpSpPr>
+        <a:xfrm>
+          <a:off x="0" y="0"/>
+          <a:ext cx="0" cy="0"/>
+          <a:chOff x="0" y="0"/>
+          <a:chExt cx="0" cy="0"/>
+        </a:xfrm>
+      </p:grpSpPr>
+      <p:sp>
+        <p:nvSpPr>
+          <p:cNvPr id="2" name="Slide Image Placeholder 1"/>
+          <p:cNvSpPr>
+            <a:spLocks noGrp="1" noRot="1" noChangeAspect="1"/>
+          </p:cNvSpPr>
+          <p:nvPr>
+            <p:ph type="sldImg"/>
+          </p:nvPr>
+        </p:nvSpPr>
+        <p:spPr/>
+      </p:sp>
+      <p:sp>
+        <p:nvSpPr>
+          <p:cNvPr id="3" name="Notes Placeholder 2"/>
+          <p:cNvSpPr>
+            <a:spLocks noGrp="1"/>
+          </p:cNvSpPr>
+          <p:nvPr>
+            <p:ph type="body" idx="1"/>
+          </p:nvPr>
+        </p:nvSpPr>
+        <p:spPr/>
+        <p:txBody>
+          <a:bodyPr/>
+          <a:lstStyle/>
+          <a:p>
+            <a:r>
+              <a:rPr lang="en-US" dirty="0" smtClean="0"/>
+              <a:t>About Event, can take </a:t>
+            </a:r>
+            <a:r>
+              <a:rPr lang="en-US" smtClean="0"/>
+              <a:t>a example</a:t>
+            </a:r>
+            <a:endParaRPr lang="en-US" dirty="0"/>
+          </a:p>
+        </p:txBody>
+      </p:sp>
+      <p:sp>
+        <p:nvSpPr>
+          <p:cNvPr id="4" name="Slide Number Placeholder 3"/>
+          <p:cNvSpPr>
+            <a:spLocks noGrp="1"/>
+          </p:cNvSpPr>
+          <p:nvPr>
+            <p:ph type="sldNum" sz="quarter" idx="10"/>
+          </p:nvPr>
+        </p:nvSpPr>
+        <p:spPr/>
+        <p:txBody>
+          <a:bodyPr/>
+          <a:lstStyle/>
+          <a:p>
+            <a:fld id="{396C5D51-C23E-45A3-9EF1-53708422953B}" type="slidenum">
+              <a:rPr lang="zh-CN" altLang="en-US" smtClean="0"/>
+              <a:t>32</a:t>
             </a:fld>
             <a:endParaRPr lang="zh-CN" altLang="en-US"/>
           </a:p>
@@ -2065,7 +2150,7 @@
       </p:grpSpPr>
       <p:sp>
         <p:nvSpPr>
-          <p:cNvPr id="2" name="幻灯片图像占位符 1"/>
+          <p:cNvPr id="2" name="Slide Image Placeholder 1"/>
           <p:cNvSpPr>
             <a:spLocks noGrp="1" noRot="1" noChangeAspect="1"/>
           </p:cNvSpPr>
@@ -2077,7 +2162,7 @@
       </p:sp>
       <p:sp>
         <p:nvSpPr>
-          <p:cNvPr id="3" name="备注占位符 2"/>
+          <p:cNvPr id="3" name="Notes Placeholder 2"/>
           <p:cNvSpPr>
             <a:spLocks noGrp="1"/>
           </p:cNvSpPr>
@@ -2090,98 +2175,13 @@
           <a:bodyPr/>
           <a:lstStyle/>
           <a:p>
-            <a:r>
-              <a:rPr lang="en-US" altLang="zh-CN" dirty="0" smtClean="0"/>
-              <a:t>Specify</a:t>
-            </a:r>
-            <a:r>
-              <a:rPr lang="en-US" altLang="zh-CN" baseline="0" dirty="0" smtClean="0"/>
-              <a:t> how you want to fill shapes</a:t>
-            </a:r>
-          </a:p>
-          <a:p>
-            <a:pPr marL="0" marR="0" indent="0" algn="l" defTabSz="914400" rtl="0" eaLnBrk="1" fontAlgn="auto" latinLnBrk="0" hangingPunct="1">
-              <a:lnSpc>
-                <a:spcPct val="100000"/>
-              </a:lnSpc>
-              <a:spcBef>
-                <a:spcPts val="0"/>
-              </a:spcBef>
-              <a:spcAft>
-                <a:spcPts val="0"/>
-              </a:spcAft>
-              <a:buClrTx/>
-              <a:buSzTx/>
-              <a:buFontTx/>
-              <a:buNone/>
-              <a:tabLst/>
-              <a:defRPr/>
-            </a:pPr>
-            <a:r>
-              <a:rPr lang="en-US" altLang="zh-CN" dirty="0" smtClean="0"/>
-              <a:t>Specify</a:t>
-            </a:r>
-            <a:r>
-              <a:rPr lang="en-US" altLang="zh-CN" baseline="0" dirty="0" smtClean="0"/>
-              <a:t> how you want to draw stroke</a:t>
-            </a:r>
-          </a:p>
-          <a:p>
-            <a:pPr marL="0" marR="0" indent="0" algn="l" defTabSz="914400" rtl="0" eaLnBrk="1" fontAlgn="auto" latinLnBrk="0" hangingPunct="1">
-              <a:lnSpc>
-                <a:spcPct val="100000"/>
-              </a:lnSpc>
-              <a:spcBef>
-                <a:spcPts val="0"/>
-              </a:spcBef>
-              <a:spcAft>
-                <a:spcPts val="0"/>
-              </a:spcAft>
-              <a:buClrTx/>
-              <a:buSzTx/>
-              <a:buFontTx/>
-              <a:buNone/>
-              <a:tabLst/>
-              <a:defRPr/>
-            </a:pPr>
-            <a:r>
-              <a:rPr lang="en-US" altLang="zh-CN" dirty="0" smtClean="0"/>
-              <a:t>Specify</a:t>
-            </a:r>
-            <a:r>
-              <a:rPr lang="en-US" altLang="zh-CN" baseline="0" dirty="0" smtClean="0"/>
-              <a:t> the thickness of any line you draw</a:t>
-            </a:r>
-            <a:endParaRPr lang="zh-CN" altLang="en-US" dirty="0" smtClean="0"/>
-          </a:p>
-          <a:p>
-            <a:pPr marL="0" marR="0" indent="0" algn="l" defTabSz="914400" rtl="0" eaLnBrk="1" fontAlgn="auto" latinLnBrk="0" hangingPunct="1">
-              <a:lnSpc>
-                <a:spcPct val="100000"/>
-              </a:lnSpc>
-              <a:spcBef>
-                <a:spcPts val="0"/>
-              </a:spcBef>
-              <a:spcAft>
-                <a:spcPts val="0"/>
-              </a:spcAft>
-              <a:buClrTx/>
-              <a:buSzTx/>
-              <a:buFontTx/>
-              <a:buNone/>
-              <a:tabLst/>
-              <a:defRPr/>
-            </a:pPr>
-            <a:endParaRPr lang="zh-CN" altLang="en-US" dirty="0" smtClean="0"/>
-          </a:p>
-          <a:p>
-            <a:endParaRPr lang="zh-CN" altLang="en-US" dirty="0"/>
-          </a:p>
-        </p:txBody>
-      </p:sp>
-      <p:sp>
-        <p:nvSpPr>
-          <p:cNvPr id="4" name="灯片编号占位符 3"/>
+            <a:endParaRPr lang="en-US" dirty="0"/>
+          </a:p>
+        </p:txBody>
+      </p:sp>
+      <p:sp>
+        <p:nvSpPr>
+          <p:cNvPr id="4" name="Slide Number Placeholder 3"/>
           <p:cNvSpPr>
             <a:spLocks noGrp="1"/>
           </p:cNvSpPr>
@@ -2205,7 +2205,7 @@
     </p:spTree>
     <p:extLst>
       <p:ext uri="{BB962C8B-B14F-4D97-AF65-F5344CB8AC3E}">
-        <p14:creationId xmlns:p14="http://schemas.microsoft.com/office/powerpoint/2010/main" val="73529049"/>
+        <p14:creationId xmlns:p14="http://schemas.microsoft.com/office/powerpoint/2010/main" val="1400675688"/>
       </p:ext>
     </p:extLst>
   </p:cSld>
@@ -2258,6 +2258,91 @@
         <p:txBody>
           <a:bodyPr/>
           <a:lstStyle/>
+          <a:p>
+            <a:r>
+              <a:rPr lang="en-US" altLang="zh-CN" dirty="0" smtClean="0"/>
+              <a:t>Specify</a:t>
+            </a:r>
+            <a:r>
+              <a:rPr lang="en-US" altLang="zh-CN" baseline="0" dirty="0" smtClean="0"/>
+              <a:t> how you want to fill shapes</a:t>
+            </a:r>
+          </a:p>
+          <a:p>
+            <a:pPr marL="0" marR="0" indent="0" algn="l" defTabSz="914400" rtl="0" eaLnBrk="1" fontAlgn="auto" latinLnBrk="0" hangingPunct="1">
+              <a:lnSpc>
+                <a:spcPct val="100000"/>
+              </a:lnSpc>
+              <a:spcBef>
+                <a:spcPts val="0"/>
+              </a:spcBef>
+              <a:spcAft>
+                <a:spcPts val="0"/>
+              </a:spcAft>
+              <a:buClrTx/>
+              <a:buSzTx/>
+              <a:buFontTx/>
+              <a:buNone/>
+              <a:tabLst/>
+              <a:defRPr/>
+            </a:pPr>
+            <a:r>
+              <a:rPr lang="en-US" altLang="zh-CN" dirty="0" smtClean="0"/>
+              <a:t>Specify</a:t>
+            </a:r>
+            <a:r>
+              <a:rPr lang="en-US" altLang="zh-CN" baseline="0" dirty="0" smtClean="0"/>
+              <a:t> how you want to draw stroke</a:t>
+            </a:r>
+          </a:p>
+          <a:p>
+            <a:pPr marL="0" marR="0" indent="0" algn="l" defTabSz="914400" rtl="0" eaLnBrk="1" fontAlgn="auto" latinLnBrk="0" hangingPunct="1">
+              <a:lnSpc>
+                <a:spcPct val="100000"/>
+              </a:lnSpc>
+              <a:spcBef>
+                <a:spcPts val="0"/>
+              </a:spcBef>
+              <a:spcAft>
+                <a:spcPts val="0"/>
+              </a:spcAft>
+              <a:buClrTx/>
+              <a:buSzTx/>
+              <a:buFontTx/>
+              <a:buNone/>
+              <a:tabLst/>
+              <a:defRPr/>
+            </a:pPr>
+            <a:r>
+              <a:rPr lang="en-US" altLang="zh-CN" dirty="0" smtClean="0"/>
+              <a:t>Specify</a:t>
+            </a:r>
+            <a:r>
+              <a:rPr lang="en-US" altLang="zh-CN" baseline="0" dirty="0" smtClean="0"/>
+              <a:t> the thickness of any line you draw</a:t>
+            </a:r>
+            <a:endParaRPr lang="zh-CN" altLang="en-US" dirty="0" smtClean="0"/>
+          </a:p>
+          <a:p>
+            <a:pPr marL="0" marR="0" indent="0" algn="l" defTabSz="914400" rtl="0" eaLnBrk="1" fontAlgn="auto" latinLnBrk="0" hangingPunct="1">
+              <a:lnSpc>
+                <a:spcPct val="100000"/>
+              </a:lnSpc>
+              <a:spcBef>
+                <a:spcPts val="0"/>
+              </a:spcBef>
+              <a:spcAft>
+                <a:spcPts val="0"/>
+              </a:spcAft>
+              <a:buClrTx/>
+              <a:buSzTx/>
+              <a:buFontTx/>
+              <a:buNone/>
+              <a:tabLst/>
+              <a:defRPr/>
+            </a:pPr>
+            <a:endParaRPr lang="zh-CN" altLang="en-US" dirty="0" smtClean="0"/>
+          </a:p>
           <a:p>
             <a:endParaRPr lang="zh-CN" altLang="en-US" dirty="0"/>
           </a:p>
@@ -2816,7 +2901,7 @@
           <a:p>
             <a:fld id="{530820CF-B880-4189-942D-D702A7CBA730}" type="datetimeFigureOut">
               <a:rPr lang="zh-CN" altLang="en-US" smtClean="0"/>
-              <a:t>2014/12/6</a:t>
+              <a:t>2014/12/11</a:t>
             </a:fld>
             <a:endParaRPr lang="zh-CN" altLang="en-US"/>
           </a:p>
@@ -2981,7 +3066,7 @@
           <a:p>
             <a:fld id="{530820CF-B880-4189-942D-D702A7CBA730}" type="datetimeFigureOut">
               <a:rPr lang="zh-CN" altLang="en-US" smtClean="0"/>
-              <a:t>2014/12/6</a:t>
+              <a:t>2014/12/11</a:t>
             </a:fld>
             <a:endParaRPr lang="zh-CN" altLang="en-US"/>
           </a:p>
@@ -3156,7 +3241,7 @@
           <a:p>
             <a:fld id="{530820CF-B880-4189-942D-D702A7CBA730}" type="datetimeFigureOut">
               <a:rPr lang="zh-CN" altLang="en-US" smtClean="0"/>
-              <a:t>2014/12/6</a:t>
+              <a:t>2014/12/11</a:t>
             </a:fld>
             <a:endParaRPr lang="zh-CN" altLang="en-US"/>
           </a:p>
@@ -3321,7 +3406,7 @@
           <a:p>
             <a:fld id="{530820CF-B880-4189-942D-D702A7CBA730}" type="datetimeFigureOut">
               <a:rPr lang="zh-CN" altLang="en-US" smtClean="0"/>
-              <a:t>2014/12/6</a:t>
+              <a:t>2014/12/11</a:t>
             </a:fld>
             <a:endParaRPr lang="zh-CN" altLang="en-US"/>
           </a:p>
@@ -3562,7 +3647,7 @@
           <a:p>
             <a:fld id="{530820CF-B880-4189-942D-D702A7CBA730}" type="datetimeFigureOut">
               <a:rPr lang="zh-CN" altLang="en-US" smtClean="0"/>
-              <a:t>2014/12/6</a:t>
+              <a:t>2014/12/11</a:t>
             </a:fld>
             <a:endParaRPr lang="zh-CN" altLang="en-US"/>
           </a:p>
@@ -3845,7 +3930,7 @@
           <a:p>
             <a:fld id="{530820CF-B880-4189-942D-D702A7CBA730}" type="datetimeFigureOut">
               <a:rPr lang="zh-CN" altLang="en-US" smtClean="0"/>
-              <a:t>2014/12/6</a:t>
+              <a:t>2014/12/11</a:t>
             </a:fld>
             <a:endParaRPr lang="zh-CN" altLang="en-US"/>
           </a:p>
@@ -4262,7 +4347,7 @@
           <a:p>
             <a:fld id="{530820CF-B880-4189-942D-D702A7CBA730}" type="datetimeFigureOut">
               <a:rPr lang="zh-CN" altLang="en-US" smtClean="0"/>
-              <a:t>2014/12/6</a:t>
+              <a:t>2014/12/11</a:t>
             </a:fld>
             <a:endParaRPr lang="zh-CN" altLang="en-US"/>
           </a:p>
@@ -4375,7 +4460,7 @@
           <a:p>
             <a:fld id="{530820CF-B880-4189-942D-D702A7CBA730}" type="datetimeFigureOut">
               <a:rPr lang="zh-CN" altLang="en-US" smtClean="0"/>
-              <a:t>2014/12/6</a:t>
+              <a:t>2014/12/11</a:t>
             </a:fld>
             <a:endParaRPr lang="zh-CN" altLang="en-US"/>
           </a:p>
@@ -4465,7 +4550,7 @@
           <a:p>
             <a:fld id="{530820CF-B880-4189-942D-D702A7CBA730}" type="datetimeFigureOut">
               <a:rPr lang="zh-CN" altLang="en-US" smtClean="0"/>
-              <a:t>2014/12/6</a:t>
+              <a:t>2014/12/11</a:t>
             </a:fld>
             <a:endParaRPr lang="zh-CN" altLang="en-US"/>
           </a:p>
@@ -4737,7 +4822,7 @@
           <a:p>
             <a:fld id="{530820CF-B880-4189-942D-D702A7CBA730}" type="datetimeFigureOut">
               <a:rPr lang="zh-CN" altLang="en-US" smtClean="0"/>
-              <a:t>2014/12/6</a:t>
+              <a:t>2014/12/11</a:t>
             </a:fld>
             <a:endParaRPr lang="zh-CN" altLang="en-US"/>
           </a:p>
@@ -4985,7 +5070,7 @@
           <a:p>
             <a:fld id="{530820CF-B880-4189-942D-D702A7CBA730}" type="datetimeFigureOut">
               <a:rPr lang="zh-CN" altLang="en-US" smtClean="0"/>
-              <a:t>2014/12/6</a:t>
+              <a:t>2014/12/11</a:t>
             </a:fld>
             <a:endParaRPr lang="zh-CN" altLang="en-US"/>
           </a:p>
@@ -5193,7 +5278,7 @@
           <a:p>
             <a:fld id="{530820CF-B880-4189-942D-D702A7CBA730}" type="datetimeFigureOut">
               <a:rPr lang="zh-CN" altLang="en-US" smtClean="0"/>
-              <a:t>2014/12/6</a:t>
+              <a:t>2014/12/11</a:t>
             </a:fld>
             <a:endParaRPr lang="zh-CN" altLang="en-US"/>
           </a:p>
@@ -5710,6 +5795,538 @@
         </p:nvSpPr>
         <p:spPr>
           <a:xfrm>
+            <a:off x="12824" y="1484784"/>
+            <a:ext cx="5400600" cy="4647426"/>
+          </a:xfrm>
+          <a:prstGeom prst="rect">
+            <a:avLst/>
+          </a:prstGeom>
+        </p:spPr>
+        <p:style>
+          <a:lnRef idx="2">
+            <a:schemeClr val="accent2"/>
+          </a:lnRef>
+          <a:fillRef idx="1">
+            <a:schemeClr val="lt1"/>
+          </a:fillRef>
+          <a:effectRef idx="0">
+            <a:schemeClr val="accent2"/>
+          </a:effectRef>
+          <a:fontRef idx="minor">
+            <a:schemeClr val="dk1"/>
+          </a:fontRef>
+        </p:style>
+        <p:txBody>
+          <a:bodyPr wrap="square">
+            <a:spAutoFit/>
+          </a:bodyPr>
+          <a:lstStyle/>
+          <a:p>
+            <a:r>
+              <a:rPr lang="en-US" sz="1600" dirty="0" err="1" smtClean="0"/>
+              <a:t>var</a:t>
+            </a:r>
+            <a:r>
+              <a:rPr lang="en-US" sz="1600" dirty="0" smtClean="0"/>
+              <a:t> </a:t>
+            </a:r>
+            <a:r>
+              <a:rPr lang="en-US" sz="1600" dirty="0" err="1"/>
+              <a:t>gridWidth</a:t>
+            </a:r>
+            <a:r>
+              <a:rPr lang="en-US" sz="1600" dirty="0"/>
+              <a:t> = 100;</a:t>
+            </a:r>
+          </a:p>
+          <a:p>
+            <a:endParaRPr lang="en-US" sz="1600" dirty="0"/>
+          </a:p>
+          <a:p>
+            <a:r>
+              <a:rPr lang="en-US" sz="1600" dirty="0" err="1"/>
+              <a:t>var</a:t>
+            </a:r>
+            <a:r>
+              <a:rPr lang="en-US" sz="1600" dirty="0"/>
+              <a:t> canvas = </a:t>
+            </a:r>
+            <a:r>
+              <a:rPr lang="en-US" sz="1600" dirty="0" err="1"/>
+              <a:t>document.getElementById</a:t>
+            </a:r>
+            <a:r>
+              <a:rPr lang="en-US" sz="1600" dirty="0"/>
+              <a:t>('</a:t>
+            </a:r>
+            <a:r>
+              <a:rPr lang="en-US" sz="1600" dirty="0" err="1"/>
+              <a:t>myCanvas</a:t>
+            </a:r>
+            <a:r>
+              <a:rPr lang="en-US" sz="1600" dirty="0"/>
+              <a:t>');</a:t>
+            </a:r>
+          </a:p>
+          <a:p>
+            <a:r>
+              <a:rPr lang="en-US" sz="1600" dirty="0" err="1"/>
+              <a:t>var</a:t>
+            </a:r>
+            <a:r>
+              <a:rPr lang="en-US" sz="1600" dirty="0"/>
+              <a:t> _</a:t>
+            </a:r>
+            <a:r>
+              <a:rPr lang="en-US" sz="1600" dirty="0" err="1"/>
+              <a:t>ctx</a:t>
+            </a:r>
+            <a:r>
+              <a:rPr lang="en-US" sz="1600" dirty="0"/>
+              <a:t> = </a:t>
+            </a:r>
+            <a:r>
+              <a:rPr lang="en-US" sz="1600" dirty="0" err="1"/>
+              <a:t>canvas.getContext</a:t>
+            </a:r>
+            <a:r>
+              <a:rPr lang="en-US" sz="1600" dirty="0"/>
+              <a:t>('2d');</a:t>
+            </a:r>
+          </a:p>
+          <a:p>
+            <a:r>
+              <a:rPr lang="en-US" sz="1600" dirty="0"/>
+              <a:t>_</a:t>
+            </a:r>
+            <a:r>
+              <a:rPr lang="en-US" sz="1600" dirty="0" err="1"/>
+              <a:t>ctx.</a:t>
+            </a:r>
+            <a:r>
+              <a:rPr lang="en-US" sz="1600" dirty="0" err="1">
+                <a:solidFill>
+                  <a:srgbClr val="FF0000"/>
+                </a:solidFill>
+              </a:rPr>
+              <a:t>beginPath</a:t>
+            </a:r>
+            <a:r>
+              <a:rPr lang="en-US" sz="1600" dirty="0"/>
+              <a:t>();</a:t>
+            </a:r>
+          </a:p>
+          <a:p>
+            <a:r>
+              <a:rPr lang="en-US" sz="1600" dirty="0"/>
+              <a:t>_</a:t>
+            </a:r>
+            <a:r>
+              <a:rPr lang="en-US" sz="1600" dirty="0" err="1"/>
+              <a:t>ctx.</a:t>
+            </a:r>
+            <a:r>
+              <a:rPr lang="en-US" sz="1600" dirty="0" err="1">
+                <a:solidFill>
+                  <a:srgbClr val="FF0000"/>
+                </a:solidFill>
+              </a:rPr>
+              <a:t>strokeStyle</a:t>
+            </a:r>
+            <a:r>
+              <a:rPr lang="en-US" sz="1600" dirty="0"/>
+              <a:t>="#000000";</a:t>
+            </a:r>
+          </a:p>
+          <a:p>
+            <a:r>
+              <a:rPr lang="en-US" sz="1600" dirty="0"/>
+              <a:t>_</a:t>
+            </a:r>
+            <a:r>
+              <a:rPr lang="en-US" sz="1600" dirty="0" err="1"/>
+              <a:t>ctx.lineWidth</a:t>
+            </a:r>
+            <a:r>
+              <a:rPr lang="en-US" sz="1600" dirty="0"/>
+              <a:t> = </a:t>
+            </a:r>
+            <a:r>
+              <a:rPr lang="en-US" sz="1600" dirty="0" err="1"/>
+              <a:t>gridWidth</a:t>
+            </a:r>
+            <a:r>
+              <a:rPr lang="en-US" sz="1600" dirty="0"/>
+              <a:t> * 0.04;</a:t>
+            </a:r>
+          </a:p>
+          <a:p>
+            <a:r>
+              <a:rPr lang="en-US" sz="1600" dirty="0"/>
+              <a:t>_</a:t>
+            </a:r>
+            <a:r>
+              <a:rPr lang="en-US" sz="1600" dirty="0" err="1"/>
+              <a:t>ctx.moveTo</a:t>
+            </a:r>
+            <a:r>
+              <a:rPr lang="en-US" sz="1600" dirty="0"/>
+              <a:t>(</a:t>
+            </a:r>
+            <a:r>
+              <a:rPr lang="en-US" sz="1600" dirty="0" err="1"/>
+              <a:t>gridWidth</a:t>
+            </a:r>
+            <a:r>
+              <a:rPr lang="en-US" sz="1600" dirty="0"/>
+              <a:t>/2,gridWidth/4);</a:t>
+            </a:r>
+          </a:p>
+          <a:p>
+            <a:r>
+              <a:rPr lang="en-US" sz="1600" dirty="0"/>
+              <a:t>_</a:t>
+            </a:r>
+            <a:r>
+              <a:rPr lang="en-US" sz="1600" dirty="0" err="1"/>
+              <a:t>ctx.lineTo</a:t>
+            </a:r>
+            <a:r>
+              <a:rPr lang="en-US" sz="1600" dirty="0"/>
+              <a:t>(</a:t>
+            </a:r>
+            <a:r>
+              <a:rPr lang="en-US" sz="1600" dirty="0" err="1"/>
+              <a:t>gridWidth</a:t>
+            </a:r>
+            <a:r>
+              <a:rPr lang="en-US" sz="1600" dirty="0"/>
+              <a:t>/2,gridWidth*0.75);</a:t>
+            </a:r>
+          </a:p>
+          <a:p>
+            <a:r>
+              <a:rPr lang="en-US" sz="1600" dirty="0"/>
+              <a:t>_</a:t>
+            </a:r>
+            <a:r>
+              <a:rPr lang="en-US" sz="1600" dirty="0" err="1"/>
+              <a:t>ctx.moveTo</a:t>
+            </a:r>
+            <a:r>
+              <a:rPr lang="en-US" sz="1600" dirty="0"/>
+              <a:t>(</a:t>
+            </a:r>
+            <a:r>
+              <a:rPr lang="en-US" sz="1600" dirty="0" err="1"/>
+              <a:t>gridWidth</a:t>
+            </a:r>
+            <a:r>
+              <a:rPr lang="en-US" sz="1600" dirty="0"/>
+              <a:t>/2-gridWidth*0.1,gridWidth*0.75);</a:t>
+            </a:r>
+          </a:p>
+          <a:p>
+            <a:r>
+              <a:rPr lang="en-US" sz="1600" dirty="0"/>
+              <a:t>_</a:t>
+            </a:r>
+            <a:r>
+              <a:rPr lang="en-US" sz="1600" dirty="0" err="1"/>
+              <a:t>ctx.lineTo</a:t>
+            </a:r>
+            <a:r>
+              <a:rPr lang="en-US" sz="1600" dirty="0"/>
+              <a:t>(</a:t>
+            </a:r>
+            <a:r>
+              <a:rPr lang="en-US" sz="1600" dirty="0" err="1"/>
+              <a:t>gridWidth</a:t>
+            </a:r>
+            <a:r>
+              <a:rPr lang="en-US" sz="1600" dirty="0"/>
+              <a:t>/2+gridWidth*0.1,gridWidth*0.75);</a:t>
+            </a:r>
+          </a:p>
+          <a:p>
+            <a:r>
+              <a:rPr lang="en-US" sz="1600" dirty="0"/>
+              <a:t>_</a:t>
+            </a:r>
+            <a:r>
+              <a:rPr lang="en-US" sz="1600" dirty="0" err="1"/>
+              <a:t>ctx.stroke</a:t>
+            </a:r>
+            <a:r>
+              <a:rPr lang="en-US" sz="1600" dirty="0"/>
+              <a:t>();</a:t>
+            </a:r>
+          </a:p>
+          <a:p>
+            <a:endParaRPr lang="en-US" sz="1600" dirty="0"/>
+          </a:p>
+          <a:p>
+            <a:r>
+              <a:rPr lang="en-US" sz="1600" dirty="0" smtClean="0"/>
+              <a:t>_</a:t>
+            </a:r>
+            <a:r>
+              <a:rPr lang="en-US" sz="1600" dirty="0" err="1" smtClean="0"/>
+              <a:t>ctx.fillStyle</a:t>
+            </a:r>
+            <a:r>
+              <a:rPr lang="en-US" sz="1600" dirty="0" smtClean="0"/>
+              <a:t> = "#ff0000";</a:t>
+            </a:r>
+          </a:p>
+          <a:p>
+            <a:r>
+              <a:rPr lang="en-US" sz="1600" dirty="0" smtClean="0"/>
+              <a:t>_</a:t>
+            </a:r>
+            <a:r>
+              <a:rPr lang="en-US" sz="1600" dirty="0" err="1" smtClean="0"/>
+              <a:t>ctx.moveTo</a:t>
+            </a:r>
+            <a:r>
+              <a:rPr lang="en-US" sz="1600" dirty="0" smtClean="0"/>
+              <a:t>(</a:t>
+            </a:r>
+            <a:r>
+              <a:rPr lang="en-US" sz="1600" dirty="0" err="1" smtClean="0"/>
+              <a:t>gridWidth</a:t>
+            </a:r>
+            <a:r>
+              <a:rPr lang="en-US" sz="1600" dirty="0" smtClean="0"/>
+              <a:t>/2,gridWidth/4);</a:t>
+            </a:r>
+          </a:p>
+          <a:p>
+            <a:r>
+              <a:rPr lang="en-US" sz="1600" dirty="0" smtClean="0"/>
+              <a:t>_</a:t>
+            </a:r>
+            <a:r>
+              <a:rPr lang="en-US" sz="1600" dirty="0" err="1" smtClean="0"/>
+              <a:t>ctx.lineTo</a:t>
+            </a:r>
+            <a:r>
+              <a:rPr lang="en-US" sz="1600" dirty="0" smtClean="0"/>
+              <a:t>(</a:t>
+            </a:r>
+            <a:r>
+              <a:rPr lang="en-US" sz="1600" dirty="0" err="1" smtClean="0"/>
+              <a:t>gridWidth</a:t>
+            </a:r>
+            <a:r>
+              <a:rPr lang="en-US" sz="1600" dirty="0" smtClean="0"/>
+              <a:t>*0.75,gridWidth*0.375);</a:t>
+            </a:r>
+          </a:p>
+          <a:p>
+            <a:r>
+              <a:rPr lang="en-US" sz="1600" dirty="0" smtClean="0"/>
+              <a:t>_</a:t>
+            </a:r>
+            <a:r>
+              <a:rPr lang="en-US" sz="1600" dirty="0" err="1" smtClean="0"/>
+              <a:t>ctx.lineTo</a:t>
+            </a:r>
+            <a:r>
+              <a:rPr lang="en-US" sz="1600" dirty="0" smtClean="0"/>
+              <a:t>(</a:t>
+            </a:r>
+            <a:r>
+              <a:rPr lang="en-US" sz="1600" dirty="0" err="1" smtClean="0"/>
+              <a:t>gridWidth</a:t>
+            </a:r>
+            <a:r>
+              <a:rPr lang="en-US" sz="1600" dirty="0" smtClean="0"/>
+              <a:t>*0.5,gridWidth*0.5);</a:t>
+            </a:r>
+          </a:p>
+          <a:p>
+            <a:r>
+              <a:rPr lang="en-US" sz="1600" dirty="0" smtClean="0"/>
+              <a:t>_</a:t>
+            </a:r>
+            <a:r>
+              <a:rPr lang="en-US" sz="1600" dirty="0" err="1" smtClean="0"/>
+              <a:t>ctx.fill</a:t>
+            </a:r>
+            <a:r>
+              <a:rPr lang="en-US" sz="1600" dirty="0" smtClean="0"/>
+              <a:t>();</a:t>
+            </a:r>
+            <a:endParaRPr lang="en-US" sz="1600" dirty="0"/>
+          </a:p>
+        </p:txBody>
+      </p:sp>
+      <p:sp>
+        <p:nvSpPr>
+          <p:cNvPr id="3" name="Right Arrow 2"/>
+          <p:cNvSpPr/>
+          <p:nvPr/>
+        </p:nvSpPr>
+        <p:spPr>
+          <a:xfrm>
+            <a:off x="6156176" y="3630821"/>
+            <a:ext cx="504056" cy="504056"/>
+          </a:xfrm>
+          <a:prstGeom prst="rightArrow">
+            <a:avLst/>
+          </a:prstGeom>
+        </p:spPr>
+        <p:style>
+          <a:lnRef idx="2">
+            <a:schemeClr val="accent1">
+              <a:shade val="50000"/>
+            </a:schemeClr>
+          </a:lnRef>
+          <a:fillRef idx="1">
+            <a:schemeClr val="accent1"/>
+          </a:fillRef>
+          <a:effectRef idx="0">
+            <a:schemeClr val="accent1"/>
+          </a:effectRef>
+          <a:fontRef idx="minor">
+            <a:schemeClr val="lt1"/>
+          </a:fontRef>
+        </p:style>
+        <p:txBody>
+          <a:bodyPr rtlCol="0" anchor="ctr"/>
+          <a:lstStyle/>
+          <a:p>
+            <a:pPr algn="ctr"/>
+            <a:endParaRPr lang="en-US"/>
+          </a:p>
+        </p:txBody>
+      </p:sp>
+      <p:pic>
+        <p:nvPicPr>
+          <p:cNvPr id="6" name="Picture 2"/>
+          <p:cNvPicPr>
+            <a:picLocks noChangeAspect="1" noChangeArrowheads="1"/>
+          </p:cNvPicPr>
+          <p:nvPr/>
+        </p:nvPicPr>
+        <p:blipFill>
+          <a:blip r:embed="rId3">
+            <a:extLst>
+              <a:ext uri="{28A0092B-C50C-407E-A947-70E740481C1C}">
+                <a14:useLocalDpi xmlns:a14="http://schemas.microsoft.com/office/drawing/2010/main" val="0"/>
+              </a:ext>
+            </a:extLst>
+          </a:blip>
+          <a:srcRect/>
+          <a:stretch>
+            <a:fillRect/>
+          </a:stretch>
+        </p:blipFill>
+        <p:spPr bwMode="auto">
+          <a:xfrm>
+            <a:off x="6876256" y="2968749"/>
+            <a:ext cx="1104900" cy="1352550"/>
+          </a:xfrm>
+          <a:prstGeom prst="rect">
+            <a:avLst/>
+          </a:prstGeom>
+          <a:noFill/>
+          <a:ln>
+            <a:noFill/>
+          </a:ln>
+          <a:effectLst/>
+          <a:extLst>
+            <a:ext uri="{909E8E84-426E-40DD-AFC4-6F175D3DCCD1}">
+              <a14:hiddenFill xmlns:a14="http://schemas.microsoft.com/office/drawing/2010/main">
+                <a:solidFill>
+                  <a:schemeClr val="accent1"/>
+                </a:solidFill>
+              </a14:hiddenFill>
+            </a:ext>
+            <a:ext uri="{91240B29-F687-4F45-9708-019B960494DF}">
+              <a14:hiddenLine xmlns:a14="http://schemas.microsoft.com/office/drawing/2010/main" w="9525">
+                <a:solidFill>
+                  <a:schemeClr val="tx1"/>
+                </a:solidFill>
+                <a:miter lim="800000"/>
+                <a:headEnd/>
+                <a:tailEnd/>
+              </a14:hiddenLine>
+            </a:ext>
+            <a:ext uri="{AF507438-7753-43E0-B8FC-AC1667EBCBE1}">
+              <a14:hiddenEffects xmlns:a14="http://schemas.microsoft.com/office/drawing/2010/main">
+                <a:effectLst>
+                  <a:outerShdw dist="35921" dir="2700000" algn="ctr" rotWithShape="0">
+                    <a:schemeClr val="bg2"/>
+                  </a:outerShdw>
+                </a:effectLst>
+              </a14:hiddenEffects>
+            </a:ext>
+          </a:extLst>
+        </p:spPr>
+      </p:pic>
+    </p:spTree>
+    <p:extLst>
+      <p:ext uri="{BB962C8B-B14F-4D97-AF65-F5344CB8AC3E}">
+        <p14:creationId xmlns:p14="http://schemas.microsoft.com/office/powerpoint/2010/main" val="2814943854"/>
+      </p:ext>
+    </p:extLst>
+  </p:cSld>
+  <p:clrMapOvr>
+    <a:masterClrMapping/>
+  </p:clrMapOvr>
+</p:sld>
+</file>
+
+<file path=ppt/slides/slide11.xml><?xml version="1.0" encoding="utf-8"?>
+<p:sld xmlns:a="http://schemas.openxmlformats.org/drawingml/2006/main" xmlns:r="http://schemas.openxmlformats.org/officeDocument/2006/relationships" xmlns:p="http://schemas.openxmlformats.org/presentationml/2006/main">
+  <p:cSld>
+    <p:spTree>
+      <p:nvGrpSpPr>
+        <p:cNvPr id="1" name=""/>
+        <p:cNvGrpSpPr/>
+        <p:nvPr/>
+      </p:nvGrpSpPr>
+      <p:grpSpPr>
+        <a:xfrm>
+          <a:off x="0" y="0"/>
+          <a:ext cx="0" cy="0"/>
+          <a:chOff x="0" y="0"/>
+          <a:chExt cx="0" cy="0"/>
+        </a:xfrm>
+      </p:grpSpPr>
+      <p:sp>
+        <p:nvSpPr>
+          <p:cNvPr id="2" name="标题 1"/>
+          <p:cNvSpPr>
+            <a:spLocks noGrp="1"/>
+          </p:cNvSpPr>
+          <p:nvPr>
+            <p:ph type="title"/>
+          </p:nvPr>
+        </p:nvSpPr>
+        <p:spPr/>
+        <p:txBody>
+          <a:bodyPr/>
+          <a:lstStyle/>
+          <a:p>
+            <a:r>
+              <a:rPr lang="en-US" altLang="zh-CN" dirty="0" smtClean="0"/>
+              <a:t>Path</a:t>
+            </a:r>
+            <a:endParaRPr lang="zh-CN" altLang="en-US" dirty="0"/>
+          </a:p>
+        </p:txBody>
+      </p:sp>
+      <p:sp>
+        <p:nvSpPr>
+          <p:cNvPr id="5" name="Rectangle 4"/>
+          <p:cNvSpPr/>
+          <p:nvPr/>
+        </p:nvSpPr>
+        <p:spPr>
+          <a:xfrm>
             <a:off x="0" y="1953816"/>
             <a:ext cx="5724128" cy="3046988"/>
           </a:xfrm>
@@ -5971,7 +6588,7 @@
 </p:sld>
 </file>
 
-<file path=ppt/slides/slide11.xml><?xml version="1.0" encoding="utf-8"?>
+<file path=ppt/slides/slide12.xml><?xml version="1.0" encoding="utf-8"?>
 <p:sld xmlns:a="http://schemas.openxmlformats.org/drawingml/2006/main" xmlns:r="http://schemas.openxmlformats.org/officeDocument/2006/relationships" xmlns:p="http://schemas.openxmlformats.org/presentationml/2006/main">
   <p:cSld>
     <p:spTree>
@@ -6218,7 +6835,7 @@
 </p:sld>
 </file>
 
-<file path=ppt/slides/slide12.xml><?xml version="1.0" encoding="utf-8"?>
+<file path=ppt/slides/slide13.xml><?xml version="1.0" encoding="utf-8"?>
 <p:sld xmlns:a="http://schemas.openxmlformats.org/drawingml/2006/main" xmlns:r="http://schemas.openxmlformats.org/officeDocument/2006/relationships" xmlns:p="http://schemas.openxmlformats.org/presentationml/2006/main">
   <p:cSld>
     <p:spTree>
@@ -6527,7 +7144,7 @@
 </p:sld>
 </file>
 
-<file path=ppt/slides/slide13.xml><?xml version="1.0" encoding="utf-8"?>
+<file path=ppt/slides/slide14.xml><?xml version="1.0" encoding="utf-8"?>
 <p:sld xmlns:a="http://schemas.openxmlformats.org/drawingml/2006/main" xmlns:r="http://schemas.openxmlformats.org/officeDocument/2006/relationships" xmlns:p="http://schemas.openxmlformats.org/presentationml/2006/main">
   <p:cSld>
     <p:spTree>
@@ -6734,7 +7351,6 @@
               <a:rPr lang="en-US" sz="2000" dirty="0"/>
               <a:t>();</a:t>
             </a:r>
-            <a:endParaRPr lang="en-US" sz="2000" dirty="0"/>
           </a:p>
         </p:txBody>
       </p:sp>
@@ -6881,7 +7497,7 @@
 </p:sld>
 </file>
 
-<file path=ppt/slides/slide14.xml><?xml version="1.0" encoding="utf-8"?>
+<file path=ppt/slides/slide15.xml><?xml version="1.0" encoding="utf-8"?>
 <p:sld xmlns:a="http://schemas.openxmlformats.org/drawingml/2006/main" xmlns:r="http://schemas.openxmlformats.org/officeDocument/2006/relationships" xmlns:p="http://schemas.openxmlformats.org/presentationml/2006/main">
   <p:cSld>
     <p:spTree>
@@ -6915,11 +7531,7 @@
           <a:p>
             <a:r>
               <a:rPr lang="en-US" altLang="zh-CN" dirty="0" smtClean="0"/>
-              <a:t>Save Drawing </a:t>
-            </a:r>
-            <a:r>
-              <a:rPr lang="en-US" altLang="zh-CN" dirty="0" smtClean="0"/>
-              <a:t>Sate</a:t>
+              <a:t>Save Drawing Sate</a:t>
             </a:r>
             <a:endParaRPr lang="zh-CN" altLang="en-US" dirty="0"/>
           </a:p>
@@ -7155,7 +7767,7 @@
 </p:sld>
 </file>
 
-<file path=ppt/slides/slide15.xml><?xml version="1.0" encoding="utf-8"?>
+<file path=ppt/slides/slide16.xml><?xml version="1.0" encoding="utf-8"?>
 <p:sld xmlns:a="http://schemas.openxmlformats.org/drawingml/2006/main" xmlns:r="http://schemas.openxmlformats.org/officeDocument/2006/relationships" xmlns:p="http://schemas.openxmlformats.org/presentationml/2006/main">
   <p:cSld>
     <p:spTree>
@@ -7189,11 +7801,7 @@
           <a:p>
             <a:r>
               <a:rPr lang="en-US" altLang="zh-CN" dirty="0" smtClean="0"/>
-              <a:t>Save Drawing </a:t>
-            </a:r>
-            <a:r>
-              <a:rPr lang="en-US" altLang="zh-CN" dirty="0" smtClean="0"/>
-              <a:t>Sate</a:t>
+              <a:t>Save Drawing Sate</a:t>
             </a:r>
             <a:endParaRPr lang="zh-CN" altLang="en-US" dirty="0"/>
           </a:p>
@@ -7592,7 +8200,7 @@
 </p:sld>
 </file>
 
-<file path=ppt/slides/slide16.xml><?xml version="1.0" encoding="utf-8"?>
+<file path=ppt/slides/slide17.xml><?xml version="1.0" encoding="utf-8"?>
 <p:sld xmlns:a="http://schemas.openxmlformats.org/drawingml/2006/main" xmlns:r="http://schemas.openxmlformats.org/officeDocument/2006/relationships" xmlns:p="http://schemas.openxmlformats.org/presentationml/2006/main">
   <p:cSld>
     <p:spTree>
@@ -7626,38 +8234,30 @@
           <a:p>
             <a:r>
               <a:rPr lang="en-US" altLang="zh-CN" dirty="0" smtClean="0"/>
-              <a:t>Save Drawing </a:t>
-            </a:r>
+              <a:t>Save Drawing Sate</a:t>
+            </a:r>
+            <a:endParaRPr lang="zh-CN" altLang="en-US" dirty="0"/>
+          </a:p>
+        </p:txBody>
+      </p:sp>
+      <p:sp>
+        <p:nvSpPr>
+          <p:cNvPr id="3" name="内容占位符 2"/>
+          <p:cNvSpPr>
+            <a:spLocks noGrp="1"/>
+          </p:cNvSpPr>
+          <p:nvPr>
+            <p:ph idx="1"/>
+          </p:nvPr>
+        </p:nvSpPr>
+        <p:spPr/>
+        <p:txBody>
+          <a:bodyPr/>
+          <a:lstStyle/>
+          <a:p>
             <a:r>
               <a:rPr lang="en-US" altLang="zh-CN" dirty="0" smtClean="0"/>
-              <a:t>Sate</a:t>
-            </a:r>
-            <a:endParaRPr lang="zh-CN" altLang="en-US" dirty="0"/>
-          </a:p>
-        </p:txBody>
-      </p:sp>
-      <p:sp>
-        <p:nvSpPr>
-          <p:cNvPr id="3" name="内容占位符 2"/>
-          <p:cNvSpPr>
-            <a:spLocks noGrp="1"/>
-          </p:cNvSpPr>
-          <p:nvPr>
-            <p:ph idx="1"/>
-          </p:nvPr>
-        </p:nvSpPr>
-        <p:spPr/>
-        <p:txBody>
-          <a:bodyPr/>
-          <a:lstStyle/>
-          <a:p>
-            <a:r>
-              <a:rPr lang="en-US" altLang="zh-CN" dirty="0" smtClean="0"/>
-              <a:t>It possible to save </a:t>
-            </a:r>
-            <a:r>
-              <a:rPr lang="en-US" altLang="zh-CN" dirty="0" smtClean="0"/>
-              <a:t>drawing state</a:t>
+              <a:t>It possible to save drawing state</a:t>
             </a:r>
           </a:p>
           <a:p>
@@ -7771,7 +8371,7 @@
 </p:sld>
 </file>
 
-<file path=ppt/slides/slide17.xml><?xml version="1.0" encoding="utf-8"?>
+<file path=ppt/slides/slide18.xml><?xml version="1.0" encoding="utf-8"?>
 <p:sld xmlns:a="http://schemas.openxmlformats.org/drawingml/2006/main" xmlns:r="http://schemas.openxmlformats.org/officeDocument/2006/relationships" xmlns:p="http://schemas.openxmlformats.org/presentationml/2006/main">
   <p:cSld>
     <p:spTree>
@@ -7805,11 +8405,7 @@
           <a:p>
             <a:r>
               <a:rPr lang="en-US" altLang="zh-CN" dirty="0" smtClean="0"/>
-              <a:t>Save Drawing </a:t>
-            </a:r>
-            <a:r>
-              <a:rPr lang="en-US" altLang="zh-CN" dirty="0" smtClean="0"/>
-              <a:t>Sate</a:t>
+              <a:t>Save Drawing Sate</a:t>
             </a:r>
             <a:endParaRPr lang="zh-CN" altLang="en-US" dirty="0"/>
           </a:p>
@@ -8395,7 +8991,7 @@
 </p:sld>
 </file>
 
-<file path=ppt/slides/slide18.xml><?xml version="1.0" encoding="utf-8"?>
+<file path=ppt/slides/slide19.xml><?xml version="1.0" encoding="utf-8"?>
 <p:sld xmlns:a="http://schemas.openxmlformats.org/drawingml/2006/main" xmlns:r="http://schemas.openxmlformats.org/officeDocument/2006/relationships" xmlns:p="http://schemas.openxmlformats.org/presentationml/2006/main">
   <p:cSld>
     <p:spTree>
@@ -8882,104 +9478,6 @@
     <p:extLst>
       <p:ext uri="{BB962C8B-B14F-4D97-AF65-F5344CB8AC3E}">
         <p14:creationId xmlns:p14="http://schemas.microsoft.com/office/powerpoint/2010/main" val="1043098843"/>
-      </p:ext>
-    </p:extLst>
-  </p:cSld>
-  <p:clrMapOvr>
-    <a:masterClrMapping/>
-  </p:clrMapOvr>
-</p:sld>
-</file>
-
-<file path=ppt/slides/slide19.xml><?xml version="1.0" encoding="utf-8"?>
-<p:sld xmlns:a="http://schemas.openxmlformats.org/drawingml/2006/main" xmlns:r="http://schemas.openxmlformats.org/officeDocument/2006/relationships" xmlns:p="http://schemas.openxmlformats.org/presentationml/2006/main">
-  <p:cSld>
-    <p:spTree>
-      <p:nvGrpSpPr>
-        <p:cNvPr id="1" name=""/>
-        <p:cNvGrpSpPr/>
-        <p:nvPr/>
-      </p:nvGrpSpPr>
-      <p:grpSpPr>
-        <a:xfrm>
-          <a:off x="0" y="0"/>
-          <a:ext cx="0" cy="0"/>
-          <a:chOff x="0" y="0"/>
-          <a:chExt cx="0" cy="0"/>
-        </a:xfrm>
-      </p:grpSpPr>
-      <p:sp>
-        <p:nvSpPr>
-          <p:cNvPr id="2" name="标题 1"/>
-          <p:cNvSpPr>
-            <a:spLocks noGrp="1"/>
-          </p:cNvSpPr>
-          <p:nvPr>
-            <p:ph type="title"/>
-          </p:nvPr>
-        </p:nvSpPr>
-        <p:spPr/>
-        <p:txBody>
-          <a:bodyPr/>
-          <a:lstStyle/>
-          <a:p>
-            <a:r>
-              <a:rPr lang="en-US" altLang="zh-CN" dirty="0" smtClean="0"/>
-              <a:t>Scalable Vector Graphics(SVG)</a:t>
-            </a:r>
-            <a:endParaRPr lang="zh-CN" altLang="en-US" dirty="0"/>
-          </a:p>
-        </p:txBody>
-      </p:sp>
-      <p:sp>
-        <p:nvSpPr>
-          <p:cNvPr id="3" name="内容占位符 2"/>
-          <p:cNvSpPr>
-            <a:spLocks noGrp="1"/>
-          </p:cNvSpPr>
-          <p:nvPr>
-            <p:ph idx="1"/>
-          </p:nvPr>
-        </p:nvSpPr>
-        <p:spPr/>
-        <p:txBody>
-          <a:bodyPr/>
-          <a:lstStyle/>
-          <a:p>
-            <a:r>
-              <a:rPr lang="en-US" altLang="zh-CN" dirty="0" smtClean="0"/>
-              <a:t>A language by which to define graphics in XML</a:t>
-            </a:r>
-          </a:p>
-          <a:p>
-            <a:r>
-              <a:rPr lang="en-US" altLang="zh-CN" dirty="0" smtClean="0"/>
-              <a:t>The XML can be rendered by the browser by using &lt;</a:t>
-            </a:r>
-            <a:r>
-              <a:rPr lang="en-US" altLang="zh-CN" dirty="0" err="1" smtClean="0"/>
-              <a:t>svg</a:t>
-            </a:r>
-            <a:r>
-              <a:rPr lang="en-US" altLang="zh-CN" dirty="0" smtClean="0"/>
-              <a:t>&gt;</a:t>
-            </a:r>
-          </a:p>
-          <a:p>
-            <a:r>
-              <a:rPr lang="en-US" altLang="zh-CN" dirty="0" smtClean="0"/>
-              <a:t>Can be created by image editor, and used in your web application</a:t>
-            </a:r>
-          </a:p>
-          <a:p>
-            <a:endParaRPr lang="en-US" altLang="zh-CN" dirty="0"/>
-          </a:p>
-        </p:txBody>
-      </p:sp>
-    </p:spTree>
-    <p:extLst>
-      <p:ext uri="{BB962C8B-B14F-4D97-AF65-F5344CB8AC3E}">
-        <p14:creationId xmlns:p14="http://schemas.microsoft.com/office/powerpoint/2010/main" val="2893197985"/>
       </p:ext>
     </p:extLst>
   </p:cSld>
@@ -9190,6 +9688,104 @@
           <a:p>
             <a:r>
               <a:rPr lang="en-US" altLang="zh-CN" dirty="0" smtClean="0"/>
+              <a:t>Scalable Vector Graphics(SVG)</a:t>
+            </a:r>
+            <a:endParaRPr lang="zh-CN" altLang="en-US" dirty="0"/>
+          </a:p>
+        </p:txBody>
+      </p:sp>
+      <p:sp>
+        <p:nvSpPr>
+          <p:cNvPr id="3" name="内容占位符 2"/>
+          <p:cNvSpPr>
+            <a:spLocks noGrp="1"/>
+          </p:cNvSpPr>
+          <p:nvPr>
+            <p:ph idx="1"/>
+          </p:nvPr>
+        </p:nvSpPr>
+        <p:spPr/>
+        <p:txBody>
+          <a:bodyPr/>
+          <a:lstStyle/>
+          <a:p>
+            <a:r>
+              <a:rPr lang="en-US" altLang="zh-CN" dirty="0" smtClean="0"/>
+              <a:t>A language by which to define graphics in XML</a:t>
+            </a:r>
+          </a:p>
+          <a:p>
+            <a:r>
+              <a:rPr lang="en-US" altLang="zh-CN" dirty="0" smtClean="0"/>
+              <a:t>The XML can be rendered by the browser by using &lt;</a:t>
+            </a:r>
+            <a:r>
+              <a:rPr lang="en-US" altLang="zh-CN" dirty="0" err="1" smtClean="0"/>
+              <a:t>svg</a:t>
+            </a:r>
+            <a:r>
+              <a:rPr lang="en-US" altLang="zh-CN" dirty="0" smtClean="0"/>
+              <a:t>&gt;</a:t>
+            </a:r>
+          </a:p>
+          <a:p>
+            <a:r>
+              <a:rPr lang="en-US" altLang="zh-CN" dirty="0" smtClean="0"/>
+              <a:t>Can be created by image editor, and used in your web application</a:t>
+            </a:r>
+          </a:p>
+          <a:p>
+            <a:endParaRPr lang="en-US" altLang="zh-CN" dirty="0"/>
+          </a:p>
+        </p:txBody>
+      </p:sp>
+    </p:spTree>
+    <p:extLst>
+      <p:ext uri="{BB962C8B-B14F-4D97-AF65-F5344CB8AC3E}">
+        <p14:creationId xmlns:p14="http://schemas.microsoft.com/office/powerpoint/2010/main" val="2893197985"/>
+      </p:ext>
+    </p:extLst>
+  </p:cSld>
+  <p:clrMapOvr>
+    <a:masterClrMapping/>
+  </p:clrMapOvr>
+</p:sld>
+</file>
+
+<file path=ppt/slides/slide21.xml><?xml version="1.0" encoding="utf-8"?>
+<p:sld xmlns:a="http://schemas.openxmlformats.org/drawingml/2006/main" xmlns:r="http://schemas.openxmlformats.org/officeDocument/2006/relationships" xmlns:p="http://schemas.openxmlformats.org/presentationml/2006/main">
+  <p:cSld>
+    <p:spTree>
+      <p:nvGrpSpPr>
+        <p:cNvPr id="1" name=""/>
+        <p:cNvGrpSpPr/>
+        <p:nvPr/>
+      </p:nvGrpSpPr>
+      <p:grpSpPr>
+        <a:xfrm>
+          <a:off x="0" y="0"/>
+          <a:ext cx="0" cy="0"/>
+          <a:chOff x="0" y="0"/>
+          <a:chExt cx="0" cy="0"/>
+        </a:xfrm>
+      </p:grpSpPr>
+      <p:sp>
+        <p:nvSpPr>
+          <p:cNvPr id="2" name="标题 1"/>
+          <p:cNvSpPr>
+            <a:spLocks noGrp="1"/>
+          </p:cNvSpPr>
+          <p:nvPr>
+            <p:ph type="title"/>
+          </p:nvPr>
+        </p:nvSpPr>
+        <p:spPr/>
+        <p:txBody>
+          <a:bodyPr/>
+          <a:lstStyle/>
+          <a:p>
+            <a:r>
+              <a:rPr lang="en-US" altLang="zh-CN" dirty="0" smtClean="0"/>
               <a:t>&lt;</a:t>
             </a:r>
             <a:r>
@@ -9289,7 +9885,7 @@
 </p:sld>
 </file>
 
-<file path=ppt/slides/slide21.xml><?xml version="1.0" encoding="utf-8"?>
+<file path=ppt/slides/slide22.xml><?xml version="1.0" encoding="utf-8"?>
 <p:sld xmlns:a="http://schemas.openxmlformats.org/drawingml/2006/main" xmlns:r="http://schemas.openxmlformats.org/officeDocument/2006/relationships" xmlns:p="http://schemas.openxmlformats.org/presentationml/2006/main">
   <p:cSld>
     <p:spTree>
@@ -9612,7 +10208,7 @@
 </p:sld>
 </file>
 
-<file path=ppt/slides/slide22.xml><?xml version="1.0" encoding="utf-8"?>
+<file path=ppt/slides/slide23.xml><?xml version="1.0" encoding="utf-8"?>
 <p:sld xmlns:a="http://schemas.openxmlformats.org/drawingml/2006/main" xmlns:r="http://schemas.openxmlformats.org/officeDocument/2006/relationships" xmlns:p="http://schemas.openxmlformats.org/presentationml/2006/main">
   <p:cSld>
     <p:spTree>
@@ -9885,7 +10481,7 @@
 </p:sld>
 </file>
 
-<file path=ppt/slides/slide23.xml><?xml version="1.0" encoding="utf-8"?>
+<file path=ppt/slides/slide24.xml><?xml version="1.0" encoding="utf-8"?>
 <p:sld xmlns:a="http://schemas.openxmlformats.org/drawingml/2006/main" xmlns:r="http://schemas.openxmlformats.org/officeDocument/2006/relationships" xmlns:p="http://schemas.openxmlformats.org/presentationml/2006/main">
   <p:cSld>
     <p:spTree>
@@ -10192,7 +10788,6 @@
               <a:rPr lang="en-US" dirty="0"/>
               <a:t>=20</a:t>
             </a:r>
-            <a:endParaRPr lang="en-US" dirty="0"/>
           </a:p>
         </p:txBody>
       </p:sp>
@@ -10306,7 +10901,7 @@
 </p:sld>
 </file>
 
-<file path=ppt/slides/slide24.xml><?xml version="1.0" encoding="utf-8"?>
+<file path=ppt/slides/slide25.xml><?xml version="1.0" encoding="utf-8"?>
 <p:sld xmlns:a="http://schemas.openxmlformats.org/drawingml/2006/main" xmlns:r="http://schemas.openxmlformats.org/officeDocument/2006/relationships" xmlns:p="http://schemas.openxmlformats.org/presentationml/2006/main">
   <p:cSld>
     <p:spTree>
@@ -10594,7 +11189,6 @@
               <a:rPr lang="en-US" dirty="0"/>
               <a:t>=20</a:t>
             </a:r>
-            <a:endParaRPr lang="en-US" dirty="0"/>
           </a:p>
         </p:txBody>
       </p:sp>
@@ -10712,7 +11306,7 @@
 </p:sld>
 </file>
 
-<file path=ppt/slides/slide25.xml><?xml version="1.0" encoding="utf-8"?>
+<file path=ppt/slides/slide26.xml><?xml version="1.0" encoding="utf-8"?>
 <p:sld xmlns:a="http://schemas.openxmlformats.org/drawingml/2006/main" xmlns:r="http://schemas.openxmlformats.org/officeDocument/2006/relationships" xmlns:p="http://schemas.openxmlformats.org/presentationml/2006/main">
   <p:cSld>
     <p:spTree>
@@ -11043,7 +11637,6 @@
               <a:rPr lang="en-US" dirty="0"/>
               <a:t>=20</a:t>
             </a:r>
-            <a:endParaRPr lang="en-US" dirty="0"/>
           </a:p>
         </p:txBody>
       </p:sp>
@@ -11192,7 +11785,6 @@
               <a:rPr lang="en-US" sz="1400" dirty="0"/>
               <a:t>*0.5,gridWidth*0.5);</a:t>
             </a:r>
-            <a:endParaRPr lang="en-US" sz="1400" dirty="0"/>
           </a:p>
         </p:txBody>
       </p:sp>
@@ -11209,7 +11801,7 @@
 </p:sld>
 </file>
 
-<file path=ppt/slides/slide26.xml><?xml version="1.0" encoding="utf-8"?>
+<file path=ppt/slides/slide27.xml><?xml version="1.0" encoding="utf-8"?>
 <p:sld xmlns:a="http://schemas.openxmlformats.org/drawingml/2006/main" xmlns:r="http://schemas.openxmlformats.org/officeDocument/2006/relationships" xmlns:p="http://schemas.openxmlformats.org/presentationml/2006/main">
   <p:cSld>
     <p:spTree>
@@ -11538,11 +12130,6 @@
               </a:rPr>
               <a:t>800</a:t>
             </a:r>
-            <a:endParaRPr lang="en-US" dirty="0">
-              <a:solidFill>
-                <a:srgbClr val="FF0000"/>
-              </a:solidFill>
-            </a:endParaRPr>
           </a:p>
         </p:txBody>
       </p:sp>
@@ -11596,7 +12183,7 @@
 </p:sld>
 </file>
 
-<file path=ppt/slides/slide27.xml><?xml version="1.0" encoding="utf-8"?>
+<file path=ppt/slides/slide28.xml><?xml version="1.0" encoding="utf-8"?>
 <p:sld xmlns:a="http://schemas.openxmlformats.org/drawingml/2006/main" xmlns:r="http://schemas.openxmlformats.org/officeDocument/2006/relationships" xmlns:p="http://schemas.openxmlformats.org/presentationml/2006/main">
   <p:cSld>
     <p:spTree>
@@ -11799,7 +12386,7 @@
 </p:sld>
 </file>
 
-<file path=ppt/slides/slide28.xml><?xml version="1.0" encoding="utf-8"?>
+<file path=ppt/slides/slide29.xml><?xml version="1.0" encoding="utf-8"?>
 <p:sld xmlns:a="http://schemas.openxmlformats.org/drawingml/2006/main" xmlns:r="http://schemas.openxmlformats.org/officeDocument/2006/relationships" xmlns:p="http://schemas.openxmlformats.org/presentationml/2006/main">
   <p:cSld>
     <p:spTree>
@@ -11968,7 +12555,6 @@
               <a:rPr lang="en-US" dirty="0"/>
               <a:t>="0,0,40,30"</a:t>
             </a:r>
-            <a:endParaRPr lang="en-US" dirty="0"/>
           </a:p>
         </p:txBody>
       </p:sp>
@@ -12139,7 +12725,194 @@
 </p:sld>
 </file>
 
-<file path=ppt/slides/slide29.xml><?xml version="1.0" encoding="utf-8"?>
+<file path=ppt/slides/slide3.xml><?xml version="1.0" encoding="utf-8"?>
+<p:sld xmlns:a="http://schemas.openxmlformats.org/drawingml/2006/main" xmlns:r="http://schemas.openxmlformats.org/officeDocument/2006/relationships" xmlns:p="http://schemas.openxmlformats.org/presentationml/2006/main">
+  <p:cSld>
+    <p:spTree>
+      <p:nvGrpSpPr>
+        <p:cNvPr id="1" name=""/>
+        <p:cNvGrpSpPr/>
+        <p:nvPr/>
+      </p:nvGrpSpPr>
+      <p:grpSpPr>
+        <a:xfrm>
+          <a:off x="0" y="0"/>
+          <a:ext cx="0" cy="0"/>
+          <a:chOff x="0" y="0"/>
+          <a:chExt cx="0" cy="0"/>
+        </a:xfrm>
+      </p:grpSpPr>
+      <p:sp>
+        <p:nvSpPr>
+          <p:cNvPr id="2" name="Title 1"/>
+          <p:cNvSpPr>
+            <a:spLocks noGrp="1"/>
+          </p:cNvSpPr>
+          <p:nvPr>
+            <p:ph type="title"/>
+          </p:nvPr>
+        </p:nvSpPr>
+        <p:spPr/>
+        <p:txBody>
+          <a:bodyPr/>
+          <a:lstStyle/>
+          <a:p>
+            <a:r>
+              <a:rPr lang="en-US" dirty="0" smtClean="0"/>
+              <a:t>Topic</a:t>
+            </a:r>
+            <a:endParaRPr lang="en-US" dirty="0"/>
+          </a:p>
+        </p:txBody>
+      </p:sp>
+      <p:sp>
+        <p:nvSpPr>
+          <p:cNvPr id="3" name="Content Placeholder 2"/>
+          <p:cNvSpPr>
+            <a:spLocks noGrp="1"/>
+          </p:cNvSpPr>
+          <p:nvPr>
+            <p:ph idx="1"/>
+          </p:nvPr>
+        </p:nvSpPr>
+        <p:spPr/>
+        <p:txBody>
+          <a:bodyPr>
+            <a:normAutofit fontScale="77500" lnSpcReduction="20000"/>
+          </a:bodyPr>
+          <a:lstStyle/>
+          <a:p>
+            <a:r>
+              <a:rPr lang="en-US" dirty="0" smtClean="0"/>
+              <a:t>Canvas</a:t>
+            </a:r>
+          </a:p>
+          <a:p>
+            <a:pPr lvl="1"/>
+            <a:r>
+              <a:rPr lang="en-US" dirty="0" smtClean="0"/>
+              <a:t>&lt;canvas&gt;</a:t>
+            </a:r>
+          </a:p>
+          <a:p>
+            <a:pPr lvl="1"/>
+            <a:r>
+              <a:rPr lang="en-US" dirty="0" smtClean="0"/>
+              <a:t>Context</a:t>
+            </a:r>
+          </a:p>
+          <a:p>
+            <a:pPr lvl="1"/>
+            <a:r>
+              <a:rPr lang="en-US" dirty="0" smtClean="0"/>
+              <a:t>Draw rectangle</a:t>
+            </a:r>
+          </a:p>
+          <a:p>
+            <a:pPr lvl="1"/>
+            <a:r>
+              <a:rPr lang="en-US" dirty="0" smtClean="0"/>
+              <a:t>Drawing State</a:t>
+            </a:r>
+          </a:p>
+          <a:p>
+            <a:pPr lvl="1"/>
+            <a:r>
+              <a:rPr lang="en-US" dirty="0" smtClean="0"/>
+              <a:t>Draw by Path</a:t>
+            </a:r>
+          </a:p>
+          <a:p>
+            <a:pPr lvl="1"/>
+            <a:r>
+              <a:rPr lang="en-US" dirty="0" smtClean="0"/>
+              <a:t>Save Drawing State</a:t>
+            </a:r>
+          </a:p>
+          <a:p>
+            <a:pPr lvl="1"/>
+            <a:r>
+              <a:rPr lang="en-US" altLang="zh-CN" dirty="0"/>
+              <a:t>Context object </a:t>
+            </a:r>
+            <a:r>
+              <a:rPr lang="en-US" altLang="zh-CN" dirty="0" smtClean="0"/>
+              <a:t>reference</a:t>
+            </a:r>
+          </a:p>
+          <a:p>
+            <a:r>
+              <a:rPr lang="en-US" dirty="0" smtClean="0"/>
+              <a:t>SVG</a:t>
+            </a:r>
+          </a:p>
+          <a:p>
+            <a:pPr lvl="1"/>
+            <a:r>
+              <a:rPr lang="en-US" dirty="0" smtClean="0"/>
+              <a:t>&lt;</a:t>
+            </a:r>
+            <a:r>
+              <a:rPr lang="en-US" dirty="0" err="1" smtClean="0"/>
+              <a:t>svg</a:t>
+            </a:r>
+            <a:endParaRPr lang="en-US" dirty="0" smtClean="0"/>
+          </a:p>
+          <a:p>
+            <a:pPr lvl="1"/>
+            <a:r>
+              <a:rPr lang="en-US" dirty="0" smtClean="0"/>
+              <a:t>Draw rectangle</a:t>
+            </a:r>
+          </a:p>
+          <a:p>
+            <a:pPr lvl="1"/>
+            <a:r>
+              <a:rPr lang="en-US" dirty="0" err="1" smtClean="0"/>
+              <a:t>Svg</a:t>
+            </a:r>
+            <a:r>
+              <a:rPr lang="en-US" dirty="0" smtClean="0"/>
+              <a:t> Path</a:t>
+            </a:r>
+          </a:p>
+          <a:p>
+            <a:pPr lvl="1"/>
+            <a:r>
+              <a:rPr lang="en-US" dirty="0" smtClean="0"/>
+              <a:t>Making SVG Scalable</a:t>
+            </a:r>
+          </a:p>
+          <a:p>
+            <a:endParaRPr lang="en-US" dirty="0" smtClean="0"/>
+          </a:p>
+          <a:p>
+            <a:pPr lvl="1"/>
+            <a:endParaRPr lang="en-US" dirty="0"/>
+          </a:p>
+        </p:txBody>
+      </p:sp>
+    </p:spTree>
+    <p:extLst>
+      <p:ext uri="{BB962C8B-B14F-4D97-AF65-F5344CB8AC3E}">
+        <p14:creationId xmlns:p14="http://schemas.microsoft.com/office/powerpoint/2010/main" val="968260417"/>
+      </p:ext>
+    </p:extLst>
+  </p:cSld>
+  <p:clrMapOvr>
+    <a:masterClrMapping/>
+  </p:clrMapOvr>
+  <p:timing>
+    <p:tnLst>
+      <p:par>
+        <p:cTn id="1" dur="indefinite" restart="never" nodeType="tmRoot"/>
+      </p:par>
+    </p:tnLst>
+  </p:timing>
+</p:sld>
+</file>
+
+<file path=ppt/slides/slide30.xml><?xml version="1.0" encoding="utf-8"?>
 <p:sld xmlns:a="http://schemas.openxmlformats.org/drawingml/2006/main" xmlns:r="http://schemas.openxmlformats.org/officeDocument/2006/relationships" xmlns:p="http://schemas.openxmlformats.org/presentationml/2006/main">
   <p:cSld>
     <p:spTree>
@@ -12413,194 +13186,7 @@
 </p:sld>
 </file>
 
-<file path=ppt/slides/slide3.xml><?xml version="1.0" encoding="utf-8"?>
-<p:sld xmlns:a="http://schemas.openxmlformats.org/drawingml/2006/main" xmlns:r="http://schemas.openxmlformats.org/officeDocument/2006/relationships" xmlns:p="http://schemas.openxmlformats.org/presentationml/2006/main">
-  <p:cSld>
-    <p:spTree>
-      <p:nvGrpSpPr>
-        <p:cNvPr id="1" name=""/>
-        <p:cNvGrpSpPr/>
-        <p:nvPr/>
-      </p:nvGrpSpPr>
-      <p:grpSpPr>
-        <a:xfrm>
-          <a:off x="0" y="0"/>
-          <a:ext cx="0" cy="0"/>
-          <a:chOff x="0" y="0"/>
-          <a:chExt cx="0" cy="0"/>
-        </a:xfrm>
-      </p:grpSpPr>
-      <p:sp>
-        <p:nvSpPr>
-          <p:cNvPr id="2" name="Title 1"/>
-          <p:cNvSpPr>
-            <a:spLocks noGrp="1"/>
-          </p:cNvSpPr>
-          <p:nvPr>
-            <p:ph type="title"/>
-          </p:nvPr>
-        </p:nvSpPr>
-        <p:spPr/>
-        <p:txBody>
-          <a:bodyPr/>
-          <a:lstStyle/>
-          <a:p>
-            <a:r>
-              <a:rPr lang="en-US" dirty="0" smtClean="0"/>
-              <a:t>Topic</a:t>
-            </a:r>
-            <a:endParaRPr lang="en-US" dirty="0"/>
-          </a:p>
-        </p:txBody>
-      </p:sp>
-      <p:sp>
-        <p:nvSpPr>
-          <p:cNvPr id="3" name="Content Placeholder 2"/>
-          <p:cNvSpPr>
-            <a:spLocks noGrp="1"/>
-          </p:cNvSpPr>
-          <p:nvPr>
-            <p:ph idx="1"/>
-          </p:nvPr>
-        </p:nvSpPr>
-        <p:spPr/>
-        <p:txBody>
-          <a:bodyPr>
-            <a:normAutofit fontScale="77500" lnSpcReduction="20000"/>
-          </a:bodyPr>
-          <a:lstStyle/>
-          <a:p>
-            <a:r>
-              <a:rPr lang="en-US" dirty="0" smtClean="0"/>
-              <a:t>Canvas</a:t>
-            </a:r>
-          </a:p>
-          <a:p>
-            <a:pPr lvl="1"/>
-            <a:r>
-              <a:rPr lang="en-US" dirty="0" smtClean="0"/>
-              <a:t>&lt;canvas&gt;</a:t>
-            </a:r>
-          </a:p>
-          <a:p>
-            <a:pPr lvl="1"/>
-            <a:r>
-              <a:rPr lang="en-US" dirty="0" smtClean="0"/>
-              <a:t>Context</a:t>
-            </a:r>
-          </a:p>
-          <a:p>
-            <a:pPr lvl="1"/>
-            <a:r>
-              <a:rPr lang="en-US" dirty="0" smtClean="0"/>
-              <a:t>Draw rectangle</a:t>
-            </a:r>
-          </a:p>
-          <a:p>
-            <a:pPr lvl="1"/>
-            <a:r>
-              <a:rPr lang="en-US" dirty="0" smtClean="0"/>
-              <a:t>Drawing State</a:t>
-            </a:r>
-          </a:p>
-          <a:p>
-            <a:pPr lvl="1"/>
-            <a:r>
-              <a:rPr lang="en-US" dirty="0" smtClean="0"/>
-              <a:t>Draw by Path</a:t>
-            </a:r>
-          </a:p>
-          <a:p>
-            <a:pPr lvl="1"/>
-            <a:r>
-              <a:rPr lang="en-US" dirty="0" smtClean="0"/>
-              <a:t>Save Drawing State</a:t>
-            </a:r>
-          </a:p>
-          <a:p>
-            <a:pPr lvl="1"/>
-            <a:r>
-              <a:rPr lang="en-US" altLang="zh-CN" dirty="0"/>
-              <a:t>Context object </a:t>
-            </a:r>
-            <a:r>
-              <a:rPr lang="en-US" altLang="zh-CN" dirty="0" smtClean="0"/>
-              <a:t>reference</a:t>
-            </a:r>
-          </a:p>
-          <a:p>
-            <a:r>
-              <a:rPr lang="en-US" dirty="0" smtClean="0"/>
-              <a:t>SVG</a:t>
-            </a:r>
-          </a:p>
-          <a:p>
-            <a:pPr lvl="1"/>
-            <a:r>
-              <a:rPr lang="en-US" dirty="0" smtClean="0"/>
-              <a:t>&lt;</a:t>
-            </a:r>
-            <a:r>
-              <a:rPr lang="en-US" dirty="0" err="1" smtClean="0"/>
-              <a:t>svg</a:t>
-            </a:r>
-            <a:endParaRPr lang="en-US" dirty="0" smtClean="0"/>
-          </a:p>
-          <a:p>
-            <a:pPr lvl="1"/>
-            <a:r>
-              <a:rPr lang="en-US" dirty="0" smtClean="0"/>
-              <a:t>Draw rectangle</a:t>
-            </a:r>
-          </a:p>
-          <a:p>
-            <a:pPr lvl="1"/>
-            <a:r>
-              <a:rPr lang="en-US" dirty="0" err="1" smtClean="0"/>
-              <a:t>Svg</a:t>
-            </a:r>
-            <a:r>
-              <a:rPr lang="en-US" dirty="0" smtClean="0"/>
-              <a:t> Path</a:t>
-            </a:r>
-          </a:p>
-          <a:p>
-            <a:pPr lvl="1"/>
-            <a:r>
-              <a:rPr lang="en-US" dirty="0" smtClean="0"/>
-              <a:t>Making SVG Scalable</a:t>
-            </a:r>
-          </a:p>
-          <a:p>
-            <a:endParaRPr lang="en-US" dirty="0" smtClean="0"/>
-          </a:p>
-          <a:p>
-            <a:pPr lvl="1"/>
-            <a:endParaRPr lang="en-US" dirty="0"/>
-          </a:p>
-        </p:txBody>
-      </p:sp>
-    </p:spTree>
-    <p:extLst>
-      <p:ext uri="{BB962C8B-B14F-4D97-AF65-F5344CB8AC3E}">
-        <p14:creationId xmlns:p14="http://schemas.microsoft.com/office/powerpoint/2010/main" val="968260417"/>
-      </p:ext>
-    </p:extLst>
-  </p:cSld>
-  <p:clrMapOvr>
-    <a:masterClrMapping/>
-  </p:clrMapOvr>
-  <p:timing>
-    <p:tnLst>
-      <p:par>
-        <p:cTn id="1" dur="indefinite" restart="never" nodeType="tmRoot"/>
-      </p:par>
-    </p:tnLst>
-  </p:timing>
-</p:sld>
-</file>
-
-<file path=ppt/slides/slide30.xml><?xml version="1.0" encoding="utf-8"?>
+<file path=ppt/slides/slide31.xml><?xml version="1.0" encoding="utf-8"?>
 <p:sld xmlns:a="http://schemas.openxmlformats.org/drawingml/2006/main" xmlns:r="http://schemas.openxmlformats.org/officeDocument/2006/relationships" xmlns:p="http://schemas.openxmlformats.org/presentationml/2006/main">
   <p:cSld>
     <p:spTree>
@@ -12887,11 +13473,6 @@
               </a:rPr>
               <a:t>800</a:t>
             </a:r>
-            <a:endParaRPr lang="en-US" dirty="0">
-              <a:solidFill>
-                <a:srgbClr val="FF0000"/>
-              </a:solidFill>
-            </a:endParaRPr>
           </a:p>
         </p:txBody>
       </p:sp>
@@ -12915,7 +13496,7 @@
 </p:sld>
 </file>
 
-<file path=ppt/slides/slide31.xml><?xml version="1.0" encoding="utf-8"?>
+<file path=ppt/slides/slide32.xml><?xml version="1.0" encoding="utf-8"?>
 <p:sld xmlns:a="http://schemas.openxmlformats.org/drawingml/2006/main" xmlns:r="http://schemas.openxmlformats.org/officeDocument/2006/relationships" xmlns:p="http://schemas.openxmlformats.org/presentationml/2006/main">
   <p:cSld>
     <p:spTree>
@@ -14313,7 +14894,11 @@
           <a:p>
             <a:r>
               <a:rPr lang="en-US" altLang="zh-CN" dirty="0" smtClean="0"/>
-              <a:t>Drawing Sate</a:t>
+              <a:t>Draw </a:t>
+            </a:r>
+            <a:r>
+              <a:rPr lang="en-US" altLang="zh-CN" dirty="0" smtClean="0"/>
+              <a:t>Arc</a:t>
             </a:r>
             <a:endParaRPr lang="zh-CN" altLang="en-US" dirty="0"/>
           </a:p>
@@ -14335,40 +14920,72 @@
           <a:lstStyle/>
           <a:p>
             <a:r>
+              <a:rPr lang="en-US" altLang="zh-CN" dirty="0" smtClean="0"/>
+              <a:t>arc(</a:t>
+            </a:r>
+            <a:r>
               <a:rPr lang="en-US" altLang="zh-CN" dirty="0" err="1" smtClean="0"/>
-              <a:t>ctx.fillStyle</a:t>
+              <a:t>x,y,r,startAngle,endAngle</a:t>
+            </a:r>
+            <a:r>
+              <a:rPr lang="en-US" altLang="zh-CN" dirty="0" smtClean="0"/>
+              <a:t>)</a:t>
             </a:r>
             <a:endParaRPr lang="en-US" altLang="zh-CN" dirty="0" smtClean="0"/>
           </a:p>
-          <a:p>
-            <a:r>
-              <a:rPr lang="en-US" altLang="zh-CN" dirty="0" err="1" smtClean="0"/>
-              <a:t>ctx.strokeStyle</a:t>
-            </a:r>
-            <a:endParaRPr lang="en-US" altLang="zh-CN" dirty="0" smtClean="0"/>
-          </a:p>
-          <a:p>
-            <a:r>
-              <a:rPr lang="en-US" altLang="zh-CN" dirty="0" err="1" smtClean="0"/>
-              <a:t>ctx.lineWidth</a:t>
-            </a:r>
-            <a:endParaRPr lang="zh-CN" altLang="en-US" dirty="0"/>
-          </a:p>
-          <a:p>
-            <a:endParaRPr lang="zh-CN" altLang="en-US" dirty="0"/>
-          </a:p>
-        </p:txBody>
-      </p:sp>
-      <p:sp>
-        <p:nvSpPr>
-          <p:cNvPr id="4" name="矩形 3"/>
+        </p:txBody>
+      </p:sp>
+      <p:pic>
+        <p:nvPicPr>
+          <p:cNvPr id="1026" name="Picture 2" descr="弧/曲线"/>
+          <p:cNvPicPr>
+            <a:picLocks noChangeAspect="1" noChangeArrowheads="1"/>
+          </p:cNvPicPr>
+          <p:nvPr/>
+        </p:nvPicPr>
+        <p:blipFill>
+          <a:blip r:embed="rId3">
+            <a:extLst>
+              <a:ext uri="{28A0092B-C50C-407E-A947-70E740481C1C}">
+                <a14:useLocalDpi xmlns:a14="http://schemas.microsoft.com/office/drawing/2010/main" val="0"/>
+              </a:ext>
+            </a:extLst>
+          </a:blip>
+          <a:srcRect/>
+          <a:stretch>
+            <a:fillRect/>
+          </a:stretch>
+        </p:blipFill>
+        <p:spPr bwMode="auto">
+          <a:xfrm>
+            <a:off x="5652120" y="2276872"/>
+            <a:ext cx="3240360" cy="3335666"/>
+          </a:xfrm>
+          <a:prstGeom prst="rect">
+            <a:avLst/>
+          </a:prstGeom>
+          <a:noFill/>
+          <a:extLst>
+            <a:ext uri="{909E8E84-426E-40DD-AFC4-6F175D3DCCD1}">
+              <a14:hiddenFill xmlns:a14="http://schemas.microsoft.com/office/drawing/2010/main">
+                <a:solidFill>
+                  <a:srgbClr val="FFFFFF"/>
+                </a:solidFill>
+              </a14:hiddenFill>
+            </a:ext>
+          </a:extLst>
+        </p:spPr>
+      </p:pic>
+      <p:sp>
+        <p:nvSpPr>
+          <p:cNvPr id="5" name="矩形 4"/>
           <p:cNvSpPr/>
           <p:nvPr/>
         </p:nvSpPr>
         <p:spPr>
           <a:xfrm>
-            <a:off x="539552" y="3429000"/>
-            <a:ext cx="6102424" cy="3046988"/>
+            <a:off x="971600" y="3575373"/>
+            <a:ext cx="3452484" cy="369332"/>
           </a:xfrm>
           <a:prstGeom prst="rect">
             <a:avLst/>
@@ -14389,153 +15006,31 @@
           </a:fontRef>
         </p:style>
         <p:txBody>
-          <a:bodyPr wrap="square">
+          <a:bodyPr wrap="none">
             <a:spAutoFit/>
           </a:bodyPr>
           <a:lstStyle/>
           <a:p>
             <a:r>
-              <a:rPr lang="en-US" altLang="zh-CN" sz="2400" dirty="0" smtClean="0">
-                <a:solidFill>
-                  <a:schemeClr val="bg1">
-                    <a:lumMod val="65000"/>
-                  </a:schemeClr>
-                </a:solidFill>
-              </a:rPr>
-              <a:t>//use color</a:t>
-            </a:r>
-          </a:p>
-          <a:p>
-            <a:r>
-              <a:rPr lang="en-US" altLang="zh-CN" sz="2400" dirty="0" err="1" smtClean="0"/>
-              <a:t>ctx.fillStyle</a:t>
-            </a:r>
-            <a:r>
-              <a:rPr lang="en-US" altLang="zh-CN" sz="2400" dirty="0" smtClean="0"/>
-              <a:t> </a:t>
-            </a:r>
-            <a:r>
-              <a:rPr lang="en-US" altLang="zh-CN" sz="2400" dirty="0"/>
-              <a:t>= </a:t>
-            </a:r>
-            <a:r>
-              <a:rPr lang="en-US" altLang="zh-CN" sz="2400" dirty="0">
-                <a:solidFill>
-                  <a:srgbClr val="FF0000"/>
-                </a:solidFill>
-              </a:rPr>
-              <a:t>'#0ff</a:t>
-            </a:r>
-            <a:r>
-              <a:rPr lang="en-US" altLang="zh-CN" sz="2400" dirty="0" smtClean="0">
-                <a:solidFill>
-                  <a:srgbClr val="FF0000"/>
-                </a:solidFill>
-              </a:rPr>
-              <a:t>'</a:t>
-            </a:r>
-            <a:r>
-              <a:rPr lang="en-US" altLang="zh-CN" sz="2400" dirty="0" smtClean="0"/>
-              <a:t>;</a:t>
-            </a:r>
-            <a:endParaRPr lang="en-US" altLang="zh-CN" sz="2400" dirty="0"/>
-          </a:p>
-          <a:p>
-            <a:r>
-              <a:rPr lang="en-US" altLang="zh-CN" sz="2400" dirty="0" smtClean="0">
-                <a:solidFill>
-                  <a:schemeClr val="bg1">
-                    <a:lumMod val="65000"/>
-                  </a:schemeClr>
-                </a:solidFill>
-              </a:rPr>
-              <a:t>//gradient</a:t>
-            </a:r>
-            <a:endParaRPr lang="en-US" altLang="zh-CN" sz="2400" dirty="0">
-              <a:solidFill>
-                <a:schemeClr val="bg1">
-                  <a:lumMod val="65000"/>
-                </a:schemeClr>
-              </a:solidFill>
-            </a:endParaRPr>
-          </a:p>
-          <a:p>
-            <a:r>
-              <a:rPr lang="en-US" altLang="zh-CN" sz="2400" dirty="0" smtClean="0"/>
-              <a:t>gradient </a:t>
-            </a:r>
-            <a:r>
-              <a:rPr lang="en-US" altLang="zh-CN" sz="2400" dirty="0"/>
-              <a:t>= </a:t>
-            </a:r>
-            <a:r>
-              <a:rPr lang="en-US" altLang="zh-CN" sz="2400" dirty="0" err="1"/>
-              <a:t>ctx.createLinearGradient</a:t>
-            </a:r>
-            <a:r>
-              <a:rPr lang="en-US" altLang="zh-CN" sz="2400" dirty="0"/>
-              <a:t>(...);</a:t>
-            </a:r>
-          </a:p>
-          <a:p>
-            <a:r>
-              <a:rPr lang="en-US" altLang="zh-CN" sz="2400" dirty="0" err="1" smtClean="0"/>
-              <a:t>ctx.fillStyle</a:t>
-            </a:r>
-            <a:r>
-              <a:rPr lang="en-US" altLang="zh-CN" sz="2400" dirty="0" smtClean="0"/>
-              <a:t> </a:t>
-            </a:r>
-            <a:r>
-              <a:rPr lang="en-US" altLang="zh-CN" sz="2400" dirty="0"/>
-              <a:t>= </a:t>
-            </a:r>
-            <a:r>
-              <a:rPr lang="en-US" altLang="zh-CN" sz="2400" dirty="0">
-                <a:solidFill>
-                  <a:srgbClr val="FF0000"/>
-                </a:solidFill>
-              </a:rPr>
-              <a:t>gradient</a:t>
-            </a:r>
-            <a:r>
-              <a:rPr lang="en-US" altLang="zh-CN" sz="2400" dirty="0" smtClean="0"/>
-              <a:t>;</a:t>
-            </a:r>
-            <a:endParaRPr lang="en-US" altLang="zh-CN" sz="2400" dirty="0"/>
-          </a:p>
-          <a:p>
-            <a:r>
-              <a:rPr lang="en-US" altLang="zh-CN" sz="2400" dirty="0">
-                <a:solidFill>
-                  <a:schemeClr val="bg1">
-                    <a:lumMod val="65000"/>
-                  </a:schemeClr>
-                </a:solidFill>
-              </a:rPr>
-              <a:t>//use number</a:t>
-            </a:r>
-          </a:p>
-          <a:p>
-            <a:r>
-              <a:rPr lang="en-US" altLang="zh-CN" sz="2400" dirty="0" err="1"/>
-              <a:t>ctx.lineWidth</a:t>
-            </a:r>
-            <a:r>
-              <a:rPr lang="en-US" altLang="zh-CN" sz="2400" dirty="0"/>
-              <a:t> = 3</a:t>
-            </a:r>
-            <a:endParaRPr lang="zh-CN" altLang="en-US" sz="2400" dirty="0"/>
-          </a:p>
-          <a:p>
-            <a:endParaRPr lang="zh-CN" altLang="en-US" sz="2400" dirty="0"/>
+              <a:rPr lang="en-US" altLang="zh-CN" dirty="0" smtClean="0"/>
+              <a:t>arc( 100 , 75 , 50 , 0 , 1.5*</a:t>
+            </a:r>
+            <a:r>
+              <a:rPr lang="en-US" altLang="zh-CN" dirty="0" err="1" smtClean="0"/>
+              <a:t>Math.PI</a:t>
+            </a:r>
+            <a:r>
+              <a:rPr lang="en-US" altLang="zh-CN" smtClean="0"/>
+              <a:t> )</a:t>
+            </a:r>
+            <a:endParaRPr lang="zh-CN" altLang="en-US" dirty="0"/>
           </a:p>
         </p:txBody>
       </p:sp>
     </p:spTree>
     <p:extLst>
       <p:ext uri="{BB962C8B-B14F-4D97-AF65-F5344CB8AC3E}">
-        <p14:creationId xmlns:p14="http://schemas.microsoft.com/office/powerpoint/2010/main" val="3072627482"/>
+        <p14:creationId xmlns:p14="http://schemas.microsoft.com/office/powerpoint/2010/main" val="2005492540"/>
       </p:ext>
     </p:extLst>
   </p:cSld>
@@ -14579,7 +15074,7 @@
           <a:p>
             <a:r>
               <a:rPr lang="en-US" altLang="zh-CN" dirty="0" smtClean="0"/>
-              <a:t>Path</a:t>
+              <a:t>Drawing Sate</a:t>
             </a:r>
             <a:endParaRPr lang="zh-CN" altLang="en-US" dirty="0"/>
           </a:p>
@@ -14587,14 +15082,54 @@
       </p:sp>
       <p:sp>
         <p:nvSpPr>
-          <p:cNvPr id="5" name="Rectangle 4"/>
+          <p:cNvPr id="3" name="内容占位符 2"/>
+          <p:cNvSpPr>
+            <a:spLocks noGrp="1"/>
+          </p:cNvSpPr>
+          <p:nvPr>
+            <p:ph idx="1"/>
+          </p:nvPr>
+        </p:nvSpPr>
+        <p:spPr/>
+        <p:txBody>
+          <a:bodyPr/>
+          <a:lstStyle/>
+          <a:p>
+            <a:r>
+              <a:rPr lang="en-US" altLang="zh-CN" dirty="0" err="1" smtClean="0"/>
+              <a:t>ctx.fillStyle</a:t>
+            </a:r>
+            <a:endParaRPr lang="en-US" altLang="zh-CN" dirty="0" smtClean="0"/>
+          </a:p>
+          <a:p>
+            <a:r>
+              <a:rPr lang="en-US" altLang="zh-CN" dirty="0" err="1" smtClean="0"/>
+              <a:t>ctx.strokeStyle</a:t>
+            </a:r>
+            <a:endParaRPr lang="en-US" altLang="zh-CN" dirty="0" smtClean="0"/>
+          </a:p>
+          <a:p>
+            <a:r>
+              <a:rPr lang="en-US" altLang="zh-CN" dirty="0" err="1" smtClean="0"/>
+              <a:t>ctx.lineWidth</a:t>
+            </a:r>
+            <a:endParaRPr lang="zh-CN" altLang="en-US" dirty="0"/>
+          </a:p>
+          <a:p>
+            <a:endParaRPr lang="zh-CN" altLang="en-US" dirty="0"/>
+          </a:p>
+        </p:txBody>
+      </p:sp>
+      <p:sp>
+        <p:nvSpPr>
+          <p:cNvPr id="4" name="矩形 3"/>
           <p:cNvSpPr/>
           <p:nvPr/>
         </p:nvSpPr>
         <p:spPr>
           <a:xfrm>
-            <a:off x="12824" y="1484784"/>
-            <a:ext cx="5400600" cy="4647426"/>
+            <a:off x="539552" y="3429000"/>
+            <a:ext cx="6102424" cy="3046988"/>
           </a:xfrm>
           <a:prstGeom prst="rect">
             <a:avLst/>
@@ -14621,453 +15156,147 @@
           <a:lstStyle/>
           <a:p>
             <a:r>
-              <a:rPr lang="en-US" sz="1600" dirty="0" err="1" smtClean="0"/>
-              <a:t>var</a:t>
-            </a:r>
-            <a:r>
-              <a:rPr lang="en-US" sz="1600" dirty="0" smtClean="0"/>
+              <a:rPr lang="en-US" altLang="zh-CN" sz="2400" dirty="0" smtClean="0">
+                <a:solidFill>
+                  <a:schemeClr val="bg1">
+                    <a:lumMod val="65000"/>
+                  </a:schemeClr>
+                </a:solidFill>
+              </a:rPr>
+              <a:t>//use color</a:t>
+            </a:r>
+          </a:p>
+          <a:p>
+            <a:r>
+              <a:rPr lang="en-US" altLang="zh-CN" sz="2400" dirty="0" err="1" smtClean="0"/>
+              <a:t>ctx.fillStyle</a:t>
+            </a:r>
+            <a:r>
+              <a:rPr lang="en-US" altLang="zh-CN" sz="2400" dirty="0" smtClean="0"/>
               <a:t> </a:t>
             </a:r>
             <a:r>
-              <a:rPr lang="en-US" sz="1600" dirty="0" err="1"/>
-              <a:t>gridWidth</a:t>
-            </a:r>
-            <a:r>
-              <a:rPr lang="en-US" sz="1600" dirty="0"/>
-              <a:t> = 100;</a:t>
-            </a:r>
-          </a:p>
-          <a:p>
-            <a:endParaRPr lang="en-US" sz="1600" dirty="0"/>
-          </a:p>
-          <a:p>
-            <a:r>
-              <a:rPr lang="en-US" sz="1600" dirty="0" err="1"/>
-              <a:t>var</a:t>
-            </a:r>
-            <a:r>
-              <a:rPr lang="en-US" sz="1600" dirty="0"/>
-              <a:t> canvas = </a:t>
-            </a:r>
-            <a:r>
-              <a:rPr lang="en-US" sz="1600" dirty="0" err="1"/>
-              <a:t>document.getElementById</a:t>
-            </a:r>
-            <a:r>
-              <a:rPr lang="en-US" sz="1600" dirty="0"/>
-              <a:t>('</a:t>
-            </a:r>
-            <a:r>
-              <a:rPr lang="en-US" sz="1600" dirty="0" err="1"/>
-              <a:t>myCanvas</a:t>
-            </a:r>
-            <a:r>
-              <a:rPr lang="en-US" sz="1600" dirty="0"/>
-              <a:t>');</a:t>
-            </a:r>
-          </a:p>
-          <a:p>
-            <a:r>
-              <a:rPr lang="en-US" sz="1600" dirty="0" err="1"/>
-              <a:t>var</a:t>
-            </a:r>
-            <a:r>
-              <a:rPr lang="en-US" sz="1600" dirty="0"/>
-              <a:t> _</a:t>
-            </a:r>
-            <a:r>
-              <a:rPr lang="en-US" sz="1600" dirty="0" err="1"/>
-              <a:t>ctx</a:t>
-            </a:r>
-            <a:r>
-              <a:rPr lang="en-US" sz="1600" dirty="0"/>
-              <a:t> = </a:t>
-            </a:r>
-            <a:r>
-              <a:rPr lang="en-US" sz="1600" dirty="0" err="1"/>
-              <a:t>canvas.getContext</a:t>
-            </a:r>
-            <a:r>
-              <a:rPr lang="en-US" sz="1600" dirty="0"/>
-              <a:t>('2d');</a:t>
-            </a:r>
-          </a:p>
-          <a:p>
-            <a:r>
-              <a:rPr lang="en-US" sz="1600" dirty="0"/>
-              <a:t>_</a:t>
-            </a:r>
-            <a:r>
-              <a:rPr lang="en-US" sz="1600" dirty="0" err="1"/>
-              <a:t>ctx.</a:t>
-            </a:r>
-            <a:r>
-              <a:rPr lang="en-US" sz="1600" dirty="0" err="1">
+              <a:rPr lang="en-US" altLang="zh-CN" sz="2400" dirty="0"/>
+              <a:t>= </a:t>
+            </a:r>
+            <a:r>
+              <a:rPr lang="en-US" altLang="zh-CN" sz="2400" dirty="0">
                 <a:solidFill>
                   <a:srgbClr val="FF0000"/>
                 </a:solidFill>
               </a:rPr>
-              <a:t>beginPath</a:t>
-            </a:r>
-            <a:r>
-              <a:rPr lang="en-US" sz="1600" dirty="0"/>
-              <a:t>();</a:t>
-            </a:r>
-          </a:p>
-          <a:p>
-            <a:r>
-              <a:rPr lang="en-US" sz="1600" dirty="0"/>
-              <a:t>_</a:t>
-            </a:r>
-            <a:r>
-              <a:rPr lang="en-US" sz="1600" dirty="0" err="1"/>
-              <a:t>ctx.</a:t>
-            </a:r>
-            <a:r>
-              <a:rPr lang="en-US" sz="1600" dirty="0" err="1">
+              <a:t>'#0ff</a:t>
+            </a:r>
+            <a:r>
+              <a:rPr lang="en-US" altLang="zh-CN" sz="2400" dirty="0" smtClean="0">
                 <a:solidFill>
                   <a:srgbClr val="FF0000"/>
                 </a:solidFill>
               </a:rPr>
-              <a:t>strokeStyle</a:t>
-            </a:r>
-            <a:r>
-              <a:rPr lang="en-US" sz="1600" dirty="0"/>
-              <a:t>="#000000";</a:t>
-            </a:r>
-          </a:p>
-          <a:p>
-            <a:r>
-              <a:rPr lang="en-US" sz="1600" dirty="0"/>
-              <a:t>_</a:t>
-            </a:r>
-            <a:r>
-              <a:rPr lang="en-US" sz="1600" dirty="0" err="1"/>
+              <a:t>'</a:t>
+            </a:r>
+            <a:r>
+              <a:rPr lang="en-US" altLang="zh-CN" sz="2400" dirty="0" smtClean="0"/>
+              <a:t>;</a:t>
+            </a:r>
+            <a:endParaRPr lang="en-US" altLang="zh-CN" sz="2400" dirty="0"/>
+          </a:p>
+          <a:p>
+            <a:r>
+              <a:rPr lang="en-US" altLang="zh-CN" sz="2400" dirty="0" smtClean="0">
+                <a:solidFill>
+                  <a:schemeClr val="bg1">
+                    <a:lumMod val="65000"/>
+                  </a:schemeClr>
+                </a:solidFill>
+              </a:rPr>
+              <a:t>//gradient</a:t>
+            </a:r>
+            <a:endParaRPr lang="en-US" altLang="zh-CN" sz="2400" dirty="0">
+              <a:solidFill>
+                <a:schemeClr val="bg1">
+                  <a:lumMod val="65000"/>
+                </a:schemeClr>
+              </a:solidFill>
+            </a:endParaRPr>
+          </a:p>
+          <a:p>
+            <a:r>
+              <a:rPr lang="en-US" altLang="zh-CN" sz="2400" dirty="0" smtClean="0"/>
+              <a:t>gradient </a:t>
+            </a:r>
+            <a:r>
+              <a:rPr lang="en-US" altLang="zh-CN" sz="2400" dirty="0"/>
+              <a:t>= </a:t>
+            </a:r>
+            <a:r>
+              <a:rPr lang="en-US" altLang="zh-CN" sz="2400" dirty="0" err="1"/>
+              <a:t>ctx.createLinearGradient</a:t>
+            </a:r>
+            <a:r>
+              <a:rPr lang="en-US" altLang="zh-CN" sz="2400" dirty="0"/>
+              <a:t>(...);</a:t>
+            </a:r>
+          </a:p>
+          <a:p>
+            <a:r>
+              <a:rPr lang="en-US" altLang="zh-CN" sz="2400" dirty="0" err="1" smtClean="0"/>
+              <a:t>ctx.fillStyle</a:t>
+            </a:r>
+            <a:r>
+              <a:rPr lang="en-US" altLang="zh-CN" sz="2400" dirty="0" smtClean="0"/>
+              <a:t> </a:t>
+            </a:r>
+            <a:r>
+              <a:rPr lang="en-US" altLang="zh-CN" sz="2400" dirty="0"/>
+              <a:t>= </a:t>
+            </a:r>
+            <a:r>
+              <a:rPr lang="en-US" altLang="zh-CN" sz="2400" dirty="0">
+                <a:solidFill>
+                  <a:srgbClr val="FF0000"/>
+                </a:solidFill>
+              </a:rPr>
+              <a:t>gradient</a:t>
+            </a:r>
+            <a:r>
+              <a:rPr lang="en-US" altLang="zh-CN" sz="2400" dirty="0" smtClean="0"/>
+              <a:t>;</a:t>
+            </a:r>
+            <a:endParaRPr lang="en-US" altLang="zh-CN" sz="2400" dirty="0"/>
+          </a:p>
+          <a:p>
+            <a:r>
+              <a:rPr lang="en-US" altLang="zh-CN" sz="2400" dirty="0">
+                <a:solidFill>
+                  <a:schemeClr val="bg1">
+                    <a:lumMod val="65000"/>
+                  </a:schemeClr>
+                </a:solidFill>
+              </a:rPr>
+              <a:t>//use number</a:t>
+            </a:r>
+          </a:p>
+          <a:p>
+            <a:r>
+              <a:rPr lang="en-US" altLang="zh-CN" sz="2400" dirty="0" err="1"/>
               <a:t>ctx.lineWidth</a:t>
             </a:r>
             <a:r>
-              <a:rPr lang="en-US" sz="1600" dirty="0"/>
-              <a:t> = </a:t>
-            </a:r>
-            <a:r>
-              <a:rPr lang="en-US" sz="1600" dirty="0" err="1"/>
-              <a:t>gridWidth</a:t>
-            </a:r>
-            <a:r>
-              <a:rPr lang="en-US" sz="1600" dirty="0"/>
-              <a:t> * 0.04;</a:t>
-            </a:r>
-          </a:p>
-          <a:p>
-            <a:r>
-              <a:rPr lang="en-US" sz="1600" dirty="0"/>
-              <a:t>_</a:t>
-            </a:r>
-            <a:r>
-              <a:rPr lang="en-US" sz="1600" dirty="0" err="1"/>
-              <a:t>ctx.moveTo</a:t>
-            </a:r>
-            <a:r>
-              <a:rPr lang="en-US" sz="1600" dirty="0"/>
-              <a:t>(</a:t>
-            </a:r>
-            <a:r>
-              <a:rPr lang="en-US" sz="1600" dirty="0" err="1"/>
-              <a:t>gridWidth</a:t>
-            </a:r>
-            <a:r>
-              <a:rPr lang="en-US" sz="1600" dirty="0"/>
-              <a:t>/2,gridWidth/4);</a:t>
-            </a:r>
-          </a:p>
-          <a:p>
-            <a:r>
-              <a:rPr lang="en-US" sz="1600" dirty="0"/>
-              <a:t>_</a:t>
-            </a:r>
-            <a:r>
-              <a:rPr lang="en-US" sz="1600" dirty="0" err="1"/>
-              <a:t>ctx.lineTo</a:t>
-            </a:r>
-            <a:r>
-              <a:rPr lang="en-US" sz="1600" dirty="0"/>
-              <a:t>(</a:t>
-            </a:r>
-            <a:r>
-              <a:rPr lang="en-US" sz="1600" dirty="0" err="1"/>
-              <a:t>gridWidth</a:t>
-            </a:r>
-            <a:r>
-              <a:rPr lang="en-US" sz="1600" dirty="0"/>
-              <a:t>/2,gridWidth*0.75);</a:t>
-            </a:r>
-          </a:p>
-          <a:p>
-            <a:r>
-              <a:rPr lang="en-US" sz="1600" dirty="0"/>
-              <a:t>_</a:t>
-            </a:r>
-            <a:r>
-              <a:rPr lang="en-US" sz="1600" dirty="0" err="1"/>
-              <a:t>ctx.moveTo</a:t>
-            </a:r>
-            <a:r>
-              <a:rPr lang="en-US" sz="1600" dirty="0"/>
-              <a:t>(</a:t>
-            </a:r>
-            <a:r>
-              <a:rPr lang="en-US" sz="1600" dirty="0" err="1"/>
-              <a:t>gridWidth</a:t>
-            </a:r>
-            <a:r>
-              <a:rPr lang="en-US" sz="1600" dirty="0"/>
-              <a:t>/2-gridWidth*0.1,gridWidth*0.75);</a:t>
-            </a:r>
-          </a:p>
-          <a:p>
-            <a:r>
-              <a:rPr lang="en-US" sz="1600" dirty="0"/>
-              <a:t>_</a:t>
-            </a:r>
-            <a:r>
-              <a:rPr lang="en-US" sz="1600" dirty="0" err="1"/>
-              <a:t>ctx.lineTo</a:t>
-            </a:r>
-            <a:r>
-              <a:rPr lang="en-US" sz="1600" dirty="0"/>
-              <a:t>(</a:t>
-            </a:r>
-            <a:r>
-              <a:rPr lang="en-US" sz="1600" dirty="0" err="1"/>
-              <a:t>gridWidth</a:t>
-            </a:r>
-            <a:r>
-              <a:rPr lang="en-US" sz="1600" dirty="0"/>
-              <a:t>/2+gridWidth*0.1,gridWidth*0.75);</a:t>
-            </a:r>
-          </a:p>
-          <a:p>
-            <a:r>
-              <a:rPr lang="en-US" sz="1600" dirty="0"/>
-              <a:t>_</a:t>
-            </a:r>
-            <a:r>
-              <a:rPr lang="en-US" sz="1600" dirty="0" err="1"/>
-              <a:t>ctx.stroke</a:t>
-            </a:r>
-            <a:r>
-              <a:rPr lang="en-US" sz="1600" dirty="0"/>
-              <a:t>();</a:t>
-            </a:r>
-          </a:p>
-          <a:p>
-            <a:endParaRPr lang="en-US" sz="1600" dirty="0"/>
-          </a:p>
-          <a:p>
-            <a:r>
-              <a:rPr lang="en-US" sz="1600" dirty="0" smtClean="0"/>
-              <a:t>_</a:t>
-            </a:r>
-            <a:r>
-              <a:rPr lang="en-US" sz="1600" dirty="0" err="1" smtClean="0"/>
-              <a:t>ctx.fillStyle</a:t>
-            </a:r>
-            <a:r>
-              <a:rPr lang="en-US" sz="1600" dirty="0" smtClean="0"/>
-              <a:t> = "#ff0000";</a:t>
-            </a:r>
-          </a:p>
-          <a:p>
-            <a:r>
-              <a:rPr lang="en-US" sz="1600" dirty="0" smtClean="0"/>
-              <a:t>_</a:t>
-            </a:r>
-            <a:r>
-              <a:rPr lang="en-US" sz="1600" dirty="0" err="1" smtClean="0"/>
-              <a:t>ctx.moveTo</a:t>
-            </a:r>
-            <a:r>
-              <a:rPr lang="en-US" sz="1600" dirty="0" smtClean="0"/>
-              <a:t>(</a:t>
-            </a:r>
-            <a:r>
-              <a:rPr lang="en-US" sz="1600" dirty="0" err="1" smtClean="0"/>
-              <a:t>gridWidth</a:t>
-            </a:r>
-            <a:r>
-              <a:rPr lang="en-US" sz="1600" dirty="0" smtClean="0"/>
-              <a:t>/2,gridWidth/4);</a:t>
-            </a:r>
-          </a:p>
-          <a:p>
-            <a:r>
-              <a:rPr lang="en-US" sz="1600" dirty="0" smtClean="0"/>
-              <a:t>_</a:t>
-            </a:r>
-            <a:r>
-              <a:rPr lang="en-US" sz="1600" dirty="0" err="1" smtClean="0"/>
-              <a:t>ctx.lineTo</a:t>
-            </a:r>
-            <a:r>
-              <a:rPr lang="en-US" sz="1600" dirty="0" smtClean="0"/>
-              <a:t>(</a:t>
-            </a:r>
-            <a:r>
-              <a:rPr lang="en-US" sz="1600" dirty="0" err="1" smtClean="0"/>
-              <a:t>gridWidth</a:t>
-            </a:r>
-            <a:r>
-              <a:rPr lang="en-US" sz="1600" dirty="0" smtClean="0"/>
-              <a:t>*0.75,gridWidth*0.375);</a:t>
-            </a:r>
-          </a:p>
-          <a:p>
-            <a:r>
-              <a:rPr lang="en-US" sz="1600" dirty="0" smtClean="0"/>
-              <a:t>_</a:t>
-            </a:r>
-            <a:r>
-              <a:rPr lang="en-US" sz="1600" dirty="0" err="1" smtClean="0"/>
-              <a:t>ctx.lineTo</a:t>
-            </a:r>
-            <a:r>
-              <a:rPr lang="en-US" sz="1600" dirty="0" smtClean="0"/>
-              <a:t>(</a:t>
-            </a:r>
-            <a:r>
-              <a:rPr lang="en-US" sz="1600" dirty="0" err="1" smtClean="0"/>
-              <a:t>gridWidth</a:t>
-            </a:r>
-            <a:r>
-              <a:rPr lang="en-US" sz="1600" dirty="0" smtClean="0"/>
-              <a:t>*0.5,gridWidth*0.5);</a:t>
-            </a:r>
-          </a:p>
-          <a:p>
-            <a:r>
-              <a:rPr lang="en-US" sz="1600" dirty="0" smtClean="0"/>
-              <a:t>_</a:t>
-            </a:r>
-            <a:r>
-              <a:rPr lang="en-US" sz="1600" dirty="0" err="1" smtClean="0"/>
-              <a:t>ctx.fill</a:t>
-            </a:r>
-            <a:r>
-              <a:rPr lang="en-US" sz="1600" dirty="0" smtClean="0"/>
-              <a:t>();</a:t>
-            </a:r>
-            <a:endParaRPr lang="en-US" sz="1600" dirty="0"/>
-          </a:p>
-        </p:txBody>
-      </p:sp>
-      <p:sp>
-        <p:nvSpPr>
-          <p:cNvPr id="3" name="Right Arrow 2"/>
-          <p:cNvSpPr/>
-          <p:nvPr/>
-        </p:nvSpPr>
-        <p:spPr>
-          <a:xfrm>
-            <a:off x="6156176" y="3630821"/>
-            <a:ext cx="504056" cy="504056"/>
-          </a:xfrm>
-          <a:prstGeom prst="rightArrow">
-            <a:avLst/>
-          </a:prstGeom>
-        </p:spPr>
-        <p:style>
-          <a:lnRef idx="2">
-            <a:schemeClr val="accent1">
-              <a:shade val="50000"/>
-            </a:schemeClr>
-          </a:lnRef>
-          <a:fillRef idx="1">
-            <a:schemeClr val="accent1"/>
-          </a:fillRef>
-          <a:effectRef idx="0">
-            <a:schemeClr val="accent1"/>
-          </a:effectRef>
-          <a:fontRef idx="minor">
-            <a:schemeClr val="lt1"/>
-          </a:fontRef>
-        </p:style>
-        <p:txBody>
-          <a:bodyPr rtlCol="0" anchor="ctr"/>
-          <a:lstStyle/>
-          <a:p>
-            <a:pPr algn="ctr"/>
-            <a:endParaRPr lang="en-US"/>
-          </a:p>
-        </p:txBody>
-      </p:sp>
-      <p:pic>
-        <p:nvPicPr>
-          <p:cNvPr id="6" name="Picture 2"/>
-          <p:cNvPicPr>
-            <a:picLocks noChangeAspect="1" noChangeArrowheads="1"/>
-          </p:cNvPicPr>
-          <p:nvPr/>
-        </p:nvPicPr>
-        <p:blipFill>
-          <a:blip r:embed="rId3">
-            <a:extLst>
-              <a:ext uri="{28A0092B-C50C-407E-A947-70E740481C1C}">
-                <a14:useLocalDpi xmlns:a14="http://schemas.microsoft.com/office/drawing/2010/main" val="0"/>
-              </a:ext>
-            </a:extLst>
-          </a:blip>
-          <a:srcRect/>
-          <a:stretch>
-            <a:fillRect/>
-          </a:stretch>
-        </p:blipFill>
-        <p:spPr bwMode="auto">
-          <a:xfrm>
-            <a:off x="6876256" y="2968749"/>
-            <a:ext cx="1104900" cy="1352550"/>
-          </a:xfrm>
-          <a:prstGeom prst="rect">
-            <a:avLst/>
-          </a:prstGeom>
-          <a:noFill/>
-          <a:ln>
-            <a:noFill/>
-          </a:ln>
-          <a:effectLst/>
-          <a:extLst>
-            <a:ext uri="{909E8E84-426E-40DD-AFC4-6F175D3DCCD1}">
-              <a14:hiddenFill xmlns:a14="http://schemas.microsoft.com/office/drawing/2010/main">
-                <a:solidFill>
-                  <a:schemeClr val="accent1"/>
-                </a:solidFill>
-              </a14:hiddenFill>
-            </a:ext>
-            <a:ext uri="{91240B29-F687-4F45-9708-019B960494DF}">
-              <a14:hiddenLine xmlns:a14="http://schemas.microsoft.com/office/drawing/2010/main" w="9525">
-                <a:solidFill>
-                  <a:schemeClr val="tx1"/>
-                </a:solidFill>
-                <a:miter lim="800000"/>
-                <a:headEnd/>
-                <a:tailEnd/>
-              </a14:hiddenLine>
-            </a:ext>
-            <a:ext uri="{AF507438-7753-43E0-B8FC-AC1667EBCBE1}">
-              <a14:hiddenEffects xmlns:a14="http://schemas.microsoft.com/office/drawing/2010/main">
-                <a:effectLst>
-                  <a:outerShdw dist="35921" dir="2700000" algn="ctr" rotWithShape="0">
-                    <a:schemeClr val="bg2"/>
-                  </a:outerShdw>
-                </a:effectLst>
-              </a14:hiddenEffects>
-            </a:ext>
-          </a:extLst>
-        </p:spPr>
-      </p:pic>
+              <a:rPr lang="en-US" altLang="zh-CN" sz="2400" dirty="0"/>
+              <a:t> = 3</a:t>
+            </a:r>
+            <a:endParaRPr lang="zh-CN" altLang="en-US" sz="2400" dirty="0"/>
+          </a:p>
+          <a:p>
+            <a:endParaRPr lang="zh-CN" altLang="en-US" sz="2400" dirty="0"/>
+          </a:p>
+        </p:txBody>
+      </p:sp>
     </p:spTree>
     <p:extLst>
       <p:ext uri="{BB962C8B-B14F-4D97-AF65-F5344CB8AC3E}">
-        <p14:creationId xmlns:p14="http://schemas.microsoft.com/office/powerpoint/2010/main" val="2814943854"/>
+        <p14:creationId xmlns:p14="http://schemas.microsoft.com/office/powerpoint/2010/main" val="3072627482"/>
       </p:ext>
     </p:extLst>
   </p:cSld>

--- a/[presentation/[8]Canvas&SVG.pptx
+++ b/[presentation/[8]Canvas&SVG.pptx
@@ -12856,7 +12856,10 @@
               <a:rPr lang="en-US" dirty="0" err="1" smtClean="0"/>
               <a:t>svg</a:t>
             </a:r>
-            <a:endParaRPr lang="en-US" dirty="0" smtClean="0"/>
+            <a:r>
+              <a:rPr lang="en-US" dirty="0" smtClean="0"/>
+              <a:t>&gt;</a:t>
+            </a:r>
           </a:p>
           <a:p>
             <a:pPr lvl="1"/>
@@ -13085,7 +13088,7 @@
         </p:blipFill>
         <p:spPr>
           <a:xfrm>
-            <a:off x="2411760" y="2924944"/>
+            <a:off x="2436292" y="2924944"/>
             <a:ext cx="3838575" cy="3048000"/>
           </a:xfrm>
           <a:prstGeom prst="rect">
@@ -14894,11 +14897,7 @@
           <a:p>
             <a:r>
               <a:rPr lang="en-US" altLang="zh-CN" dirty="0" smtClean="0"/>
-              <a:t>Draw </a:t>
-            </a:r>
-            <a:r>
-              <a:rPr lang="en-US" altLang="zh-CN" dirty="0" smtClean="0"/>
-              <a:t>Arc</a:t>
+              <a:t>Draw Arc</a:t>
             </a:r>
             <a:endParaRPr lang="zh-CN" altLang="en-US" dirty="0"/>
           </a:p>
@@ -14931,7 +14930,6 @@
               <a:rPr lang="en-US" altLang="zh-CN" dirty="0" smtClean="0"/>
               <a:t>)</a:t>
             </a:r>
-            <a:endParaRPr lang="en-US" altLang="zh-CN" dirty="0" smtClean="0"/>
           </a:p>
         </p:txBody>
       </p:sp>
@@ -15020,7 +15018,7 @@
               <a:t>Math.PI</a:t>
             </a:r>
             <a:r>
-              <a:rPr lang="en-US" altLang="zh-CN" smtClean="0"/>
+              <a:rPr lang="en-US" altLang="zh-CN" dirty="0" smtClean="0"/>
               <a:t> )</a:t>
             </a:r>
             <a:endParaRPr lang="zh-CN" altLang="en-US" dirty="0"/>
